--- a/Fragments and Services.pptx
+++ b/Fragments and Services.pptx
@@ -7,6 +7,12 @@
   <p:sldIdLst>
     <p:sldId id="256" r:id="rId2"/>
     <p:sldId id="257" r:id="rId3"/>
+    <p:sldId id="258" r:id="rId4"/>
+    <p:sldId id="259" r:id="rId5"/>
+    <p:sldId id="260" r:id="rId6"/>
+    <p:sldId id="261" r:id="rId7"/>
+    <p:sldId id="262" r:id="rId8"/>
+    <p:sldId id="263" r:id="rId9"/>
   </p:sldIdLst>
   <p:sldSz cx="12192000" cy="6858000"/>
   <p:notesSz cx="6858000" cy="9144000"/>
@@ -105,7 +111,16 @@
       </a:defRPr>
     </a:lvl9pPr>
   </p:defaultTextStyle>
+  <p:extLst>
+    <p:ext uri="{EFAFB233-063F-42B5-8137-9DF3F51BA10A}">
+      <p15:sldGuideLst xmlns:p15="http://schemas.microsoft.com/office/powerpoint/2012/main"/>
+    </p:ext>
+  </p:extLst>
 </p:presentation>
+</file>
+
+<file path=ppt/revisionInfo.xml><?xml version="1.0" encoding="utf-8"?>
+<p1510:revInfo xmlns:a="http://schemas.openxmlformats.org/drawingml/2006/main" xmlns:r="http://schemas.openxmlformats.org/officeDocument/2006/relationships" xmlns:p1510="http://schemas.microsoft.com/office/powerpoint/2015/10/main"/>
 </file>
 
 <file path=ppt/slideLayouts/slideLayout1.xml><?xml version="1.0" encoding="utf-8"?>
@@ -277,7 +292,7 @@
           <a:p>
             <a:fld id="{7E9B3DE1-1483-4E7D-858F-7B39EE925286}" type="datetimeFigureOut">
               <a:rPr lang="de-DE" smtClean="0"/>
-              <a:t>13.10.2017</a:t>
+              <a:t>19.10.2017</a:t>
             </a:fld>
             <a:endParaRPr lang="de-DE"/>
           </a:p>
@@ -607,7 +622,7 @@
           <a:p>
             <a:fld id="{7E9B3DE1-1483-4E7D-858F-7B39EE925286}" type="datetimeFigureOut">
               <a:rPr lang="de-DE" smtClean="0"/>
-              <a:t>13.10.2017</a:t>
+              <a:t>19.10.2017</a:t>
             </a:fld>
             <a:endParaRPr lang="de-DE"/>
           </a:p>
@@ -787,7 +802,7 @@
           <a:p>
             <a:fld id="{7E9B3DE1-1483-4E7D-858F-7B39EE925286}" type="datetimeFigureOut">
               <a:rPr lang="de-DE" smtClean="0"/>
-              <a:t>13.10.2017</a:t>
+              <a:t>19.10.2017</a:t>
             </a:fld>
             <a:endParaRPr lang="de-DE"/>
           </a:p>
@@ -957,7 +972,7 @@
           <a:p>
             <a:fld id="{7E9B3DE1-1483-4E7D-858F-7B39EE925286}" type="datetimeFigureOut">
               <a:rPr lang="de-DE" smtClean="0"/>
-              <a:t>13.10.2017</a:t>
+              <a:t>19.10.2017</a:t>
             </a:fld>
             <a:endParaRPr lang="de-DE"/>
           </a:p>
@@ -1234,7 +1249,7 @@
           <a:p>
             <a:fld id="{7E9B3DE1-1483-4E7D-858F-7B39EE925286}" type="datetimeFigureOut">
               <a:rPr lang="de-DE" smtClean="0"/>
-              <a:t>13.10.2017</a:t>
+              <a:t>19.10.2017</a:t>
             </a:fld>
             <a:endParaRPr lang="de-DE"/>
           </a:p>
@@ -1628,7 +1643,7 @@
           <a:p>
             <a:fld id="{7E9B3DE1-1483-4E7D-858F-7B39EE925286}" type="datetimeFigureOut">
               <a:rPr lang="de-DE" smtClean="0"/>
-              <a:t>13.10.2017</a:t>
+              <a:t>19.10.2017</a:t>
             </a:fld>
             <a:endParaRPr lang="de-DE"/>
           </a:p>
@@ -2105,7 +2120,7 @@
           <a:p>
             <a:fld id="{7E9B3DE1-1483-4E7D-858F-7B39EE925286}" type="datetimeFigureOut">
               <a:rPr lang="de-DE" smtClean="0"/>
-              <a:t>13.10.2017</a:t>
+              <a:t>19.10.2017</a:t>
             </a:fld>
             <a:endParaRPr lang="de-DE"/>
           </a:p>
@@ -2223,7 +2238,7 @@
           <a:p>
             <a:fld id="{7E9B3DE1-1483-4E7D-858F-7B39EE925286}" type="datetimeFigureOut">
               <a:rPr lang="de-DE" smtClean="0"/>
-              <a:t>13.10.2017</a:t>
+              <a:t>19.10.2017</a:t>
             </a:fld>
             <a:endParaRPr lang="de-DE"/>
           </a:p>
@@ -2318,7 +2333,7 @@
           <a:p>
             <a:fld id="{7E9B3DE1-1483-4E7D-858F-7B39EE925286}" type="datetimeFigureOut">
               <a:rPr lang="de-DE" smtClean="0"/>
-              <a:t>13.10.2017</a:t>
+              <a:t>19.10.2017</a:t>
             </a:fld>
             <a:endParaRPr lang="de-DE"/>
           </a:p>
@@ -2664,7 +2679,7 @@
           <a:p>
             <a:fld id="{7E9B3DE1-1483-4E7D-858F-7B39EE925286}" type="datetimeFigureOut">
               <a:rPr lang="de-DE" smtClean="0"/>
-              <a:t>13.10.2017</a:t>
+              <a:t>19.10.2017</a:t>
             </a:fld>
             <a:endParaRPr lang="de-DE"/>
           </a:p>
@@ -3052,7 +3067,7 @@
           <a:p>
             <a:fld id="{7E9B3DE1-1483-4E7D-858F-7B39EE925286}" type="datetimeFigureOut">
               <a:rPr lang="de-DE" smtClean="0"/>
-              <a:t>13.10.2017</a:t>
+              <a:t>19.10.2017</a:t>
             </a:fld>
             <a:endParaRPr lang="de-DE"/>
           </a:p>
@@ -3330,7 +3345,7 @@
           <a:p>
             <a:fld id="{7E9B3DE1-1483-4E7D-858F-7B39EE925286}" type="datetimeFigureOut">
               <a:rPr lang="de-DE" smtClean="0"/>
-              <a:t>13.10.2017</a:t>
+              <a:t>19.10.2017</a:t>
             </a:fld>
             <a:endParaRPr lang="de-DE"/>
           </a:p>
@@ -4046,6 +4061,778 @@
 </p:sld>
 </file>
 
+<file path=ppt/slides/slide3.xml><?xml version="1.0" encoding="utf-8"?>
+<p:sld xmlns:a="http://schemas.openxmlformats.org/drawingml/2006/main" xmlns:r="http://schemas.openxmlformats.org/officeDocument/2006/relationships" xmlns:p="http://schemas.openxmlformats.org/presentationml/2006/main">
+  <p:cSld>
+    <p:spTree>
+      <p:nvGrpSpPr>
+        <p:cNvPr id="1" name=""/>
+        <p:cNvGrpSpPr/>
+        <p:nvPr/>
+      </p:nvGrpSpPr>
+      <p:grpSpPr>
+        <a:xfrm>
+          <a:off x="0" y="0"/>
+          <a:ext cx="0" cy="0"/>
+          <a:chOff x="0" y="0"/>
+          <a:chExt cx="0" cy="0"/>
+        </a:xfrm>
+      </p:grpSpPr>
+      <p:sp>
+        <p:nvSpPr>
+          <p:cNvPr id="2" name="Titel 1">
+            <a:extLst>
+              <a:ext uri="{FF2B5EF4-FFF2-40B4-BE49-F238E27FC236}">
+                <a16:creationId xmlns:a16="http://schemas.microsoft.com/office/drawing/2014/main" id="{3B2B1DC2-B3C7-4089-B80E-0042B10F5EDC}"/>
+              </a:ext>
+            </a:extLst>
+          </p:cNvPr>
+          <p:cNvSpPr>
+            <a:spLocks noGrp="1"/>
+          </p:cNvSpPr>
+          <p:nvPr>
+            <p:ph type="ctrTitle"/>
+          </p:nvPr>
+        </p:nvSpPr>
+        <p:spPr/>
+        <p:txBody>
+          <a:bodyPr/>
+          <a:lstStyle/>
+          <a:p>
+            <a:r>
+              <a:rPr lang="de-DE" dirty="0"/>
+              <a:t>Services</a:t>
+            </a:r>
+          </a:p>
+        </p:txBody>
+      </p:sp>
+      <p:sp>
+        <p:nvSpPr>
+          <p:cNvPr id="3" name="Untertitel 2">
+            <a:extLst>
+              <a:ext uri="{FF2B5EF4-FFF2-40B4-BE49-F238E27FC236}">
+                <a16:creationId xmlns:a16="http://schemas.microsoft.com/office/drawing/2014/main" id="{BAD8883F-62FC-4FEE-8ADA-46EEB8832947}"/>
+              </a:ext>
+            </a:extLst>
+          </p:cNvPr>
+          <p:cNvSpPr>
+            <a:spLocks noGrp="1"/>
+          </p:cNvSpPr>
+          <p:nvPr>
+            <p:ph type="subTitle" idx="1"/>
+          </p:nvPr>
+        </p:nvSpPr>
+        <p:spPr/>
+        <p:txBody>
+          <a:bodyPr/>
+          <a:lstStyle/>
+          <a:p>
+            <a:endParaRPr lang="de-DE"/>
+          </a:p>
+        </p:txBody>
+      </p:sp>
+    </p:spTree>
+    <p:extLst>
+      <p:ext uri="{BB962C8B-B14F-4D97-AF65-F5344CB8AC3E}">
+        <p14:creationId xmlns:p14="http://schemas.microsoft.com/office/powerpoint/2010/main" val="2569208748"/>
+      </p:ext>
+    </p:extLst>
+  </p:cSld>
+  <p:clrMapOvr>
+    <a:masterClrMapping/>
+  </p:clrMapOvr>
+</p:sld>
+</file>
+
+<file path=ppt/slides/slide4.xml><?xml version="1.0" encoding="utf-8"?>
+<p:sld xmlns:a="http://schemas.openxmlformats.org/drawingml/2006/main" xmlns:r="http://schemas.openxmlformats.org/officeDocument/2006/relationships" xmlns:p="http://schemas.openxmlformats.org/presentationml/2006/main">
+  <p:cSld>
+    <p:spTree>
+      <p:nvGrpSpPr>
+        <p:cNvPr id="1" name=""/>
+        <p:cNvGrpSpPr/>
+        <p:nvPr/>
+      </p:nvGrpSpPr>
+      <p:grpSpPr>
+        <a:xfrm>
+          <a:off x="0" y="0"/>
+          <a:ext cx="0" cy="0"/>
+          <a:chOff x="0" y="0"/>
+          <a:chExt cx="0" cy="0"/>
+        </a:xfrm>
+      </p:grpSpPr>
+      <p:sp>
+        <p:nvSpPr>
+          <p:cNvPr id="2" name="Titel 1">
+            <a:extLst>
+              <a:ext uri="{FF2B5EF4-FFF2-40B4-BE49-F238E27FC236}">
+                <a16:creationId xmlns:a16="http://schemas.microsoft.com/office/drawing/2014/main" id="{E5686513-1198-4D6C-ABB0-B158C6AA41E5}"/>
+              </a:ext>
+            </a:extLst>
+          </p:cNvPr>
+          <p:cNvSpPr>
+            <a:spLocks noGrp="1"/>
+          </p:cNvSpPr>
+          <p:nvPr>
+            <p:ph type="title"/>
+          </p:nvPr>
+        </p:nvSpPr>
+        <p:spPr/>
+        <p:txBody>
+          <a:bodyPr/>
+          <a:lstStyle/>
+          <a:p>
+            <a:r>
+              <a:rPr lang="de-DE" dirty="0"/>
+              <a:t>Was sind Services?</a:t>
+            </a:r>
+          </a:p>
+        </p:txBody>
+      </p:sp>
+      <p:sp>
+        <p:nvSpPr>
+          <p:cNvPr id="3" name="Inhaltsplatzhalter 2">
+            <a:extLst>
+              <a:ext uri="{FF2B5EF4-FFF2-40B4-BE49-F238E27FC236}">
+                <a16:creationId xmlns:a16="http://schemas.microsoft.com/office/drawing/2014/main" id="{BA9816EC-F1D9-4A81-A442-6BD6A04B7832}"/>
+              </a:ext>
+            </a:extLst>
+          </p:cNvPr>
+          <p:cNvSpPr>
+            <a:spLocks noGrp="1"/>
+          </p:cNvSpPr>
+          <p:nvPr>
+            <p:ph idx="1"/>
+          </p:nvPr>
+        </p:nvSpPr>
+        <p:spPr/>
+        <p:txBody>
+          <a:bodyPr/>
+          <a:lstStyle/>
+          <a:p>
+            <a:r>
+              <a:rPr lang="de-DE" dirty="0"/>
+              <a:t>2 Arten:</a:t>
+            </a:r>
+          </a:p>
+          <a:p>
+            <a:pPr lvl="1"/>
+            <a:r>
+              <a:rPr lang="de-DE" dirty="0"/>
+              <a:t>Background Service</a:t>
+            </a:r>
+          </a:p>
+          <a:p>
+            <a:pPr lvl="1"/>
+            <a:r>
+              <a:rPr lang="de-DE" dirty="0" err="1"/>
+              <a:t>Foreground</a:t>
+            </a:r>
+            <a:r>
+              <a:rPr lang="de-DE" dirty="0"/>
+              <a:t> Service</a:t>
+            </a:r>
+          </a:p>
+          <a:p>
+            <a:r>
+              <a:rPr lang="de-DE" dirty="0"/>
+              <a:t>Führen Arbeit aus(ähnlich wie Threads)</a:t>
+            </a:r>
+          </a:p>
+          <a:p>
+            <a:r>
+              <a:rPr lang="de-DE" dirty="0"/>
+              <a:t>Laufen in keinem eigenen Thread! Services laufen im Main-Thread der Applikation</a:t>
+            </a:r>
+          </a:p>
+          <a:p>
+            <a:r>
+              <a:rPr lang="de-DE" dirty="0"/>
+              <a:t>In manchen Situation ist es ratsamer einen eigen Thread für den Service zu erzeugen, wenn:</a:t>
+            </a:r>
+          </a:p>
+          <a:p>
+            <a:pPr lvl="1"/>
+            <a:r>
+              <a:rPr lang="de-DE" dirty="0"/>
+              <a:t>Der Service anspruchsvolle Arbeit verrichten soll</a:t>
+            </a:r>
+          </a:p>
+          <a:p>
+            <a:pPr lvl="1"/>
+            <a:r>
+              <a:rPr lang="de-DE" dirty="0"/>
+              <a:t>Die UI durch den Service beeinträchtigt wird</a:t>
+            </a:r>
+          </a:p>
+          <a:p>
+            <a:endParaRPr lang="de-DE" dirty="0"/>
+          </a:p>
+        </p:txBody>
+      </p:sp>
+    </p:spTree>
+    <p:extLst>
+      <p:ext uri="{BB962C8B-B14F-4D97-AF65-F5344CB8AC3E}">
+        <p14:creationId xmlns:p14="http://schemas.microsoft.com/office/powerpoint/2010/main" val="2961463380"/>
+      </p:ext>
+    </p:extLst>
+  </p:cSld>
+  <p:clrMapOvr>
+    <a:masterClrMapping/>
+  </p:clrMapOvr>
+</p:sld>
+</file>
+
+<file path=ppt/slides/slide5.xml><?xml version="1.0" encoding="utf-8"?>
+<p:sld xmlns:a="http://schemas.openxmlformats.org/drawingml/2006/main" xmlns:r="http://schemas.openxmlformats.org/officeDocument/2006/relationships" xmlns:p="http://schemas.openxmlformats.org/presentationml/2006/main">
+  <p:cSld>
+    <p:spTree>
+      <p:nvGrpSpPr>
+        <p:cNvPr id="1" name=""/>
+        <p:cNvGrpSpPr/>
+        <p:nvPr/>
+      </p:nvGrpSpPr>
+      <p:grpSpPr>
+        <a:xfrm>
+          <a:off x="0" y="0"/>
+          <a:ext cx="0" cy="0"/>
+          <a:chOff x="0" y="0"/>
+          <a:chExt cx="0" cy="0"/>
+        </a:xfrm>
+      </p:grpSpPr>
+      <p:sp>
+        <p:nvSpPr>
+          <p:cNvPr id="2" name="Titel 1">
+            <a:extLst>
+              <a:ext uri="{FF2B5EF4-FFF2-40B4-BE49-F238E27FC236}">
+                <a16:creationId xmlns:a16="http://schemas.microsoft.com/office/drawing/2014/main" id="{2F63411F-9048-461C-8BC4-EE34AD2CBB16}"/>
+              </a:ext>
+            </a:extLst>
+          </p:cNvPr>
+          <p:cNvSpPr>
+            <a:spLocks noGrp="1"/>
+          </p:cNvSpPr>
+          <p:nvPr>
+            <p:ph type="title"/>
+          </p:nvPr>
+        </p:nvSpPr>
+        <p:spPr/>
+        <p:txBody>
+          <a:bodyPr/>
+          <a:lstStyle/>
+          <a:p>
+            <a:r>
+              <a:rPr lang="de-DE" dirty="0"/>
+              <a:t>Background Service</a:t>
+            </a:r>
+          </a:p>
+        </p:txBody>
+      </p:sp>
+      <p:sp>
+        <p:nvSpPr>
+          <p:cNvPr id="3" name="Inhaltsplatzhalter 2">
+            <a:extLst>
+              <a:ext uri="{FF2B5EF4-FFF2-40B4-BE49-F238E27FC236}">
+                <a16:creationId xmlns:a16="http://schemas.microsoft.com/office/drawing/2014/main" id="{E61C2476-5CBC-43E0-B80E-B1E3D649516D}"/>
+              </a:ext>
+            </a:extLst>
+          </p:cNvPr>
+          <p:cNvSpPr>
+            <a:spLocks noGrp="1"/>
+          </p:cNvSpPr>
+          <p:nvPr>
+            <p:ph idx="1"/>
+          </p:nvPr>
+        </p:nvSpPr>
+        <p:spPr/>
+        <p:txBody>
+          <a:bodyPr/>
+          <a:lstStyle/>
+          <a:p>
+            <a:r>
+              <a:rPr lang="de-DE" dirty="0"/>
+              <a:t>Kann von einer anderen Applikation aufgerufen werden</a:t>
+            </a:r>
+          </a:p>
+          <a:p>
+            <a:r>
+              <a:rPr lang="de-DE" dirty="0"/>
+              <a:t>Laufen im Hintergrund – keine User Interaction notwendig</a:t>
+            </a:r>
+          </a:p>
+          <a:p>
+            <a:r>
+              <a:rPr lang="de-DE" dirty="0"/>
+              <a:t>Seit Android 0 kann nur noch eine App im Vordergrund einen Background Service starten, die App darf nicht im Background laufen.</a:t>
+            </a:r>
+          </a:p>
+          <a:p>
+            <a:r>
+              <a:rPr lang="de-DE" dirty="0"/>
+              <a:t>Werden häufig für </a:t>
+            </a:r>
+            <a:r>
+              <a:rPr lang="de-DE" dirty="0" err="1"/>
+              <a:t>Logging</a:t>
+            </a:r>
+            <a:r>
+              <a:rPr lang="de-DE" dirty="0"/>
+              <a:t> oder File IO benutzt</a:t>
+            </a:r>
+          </a:p>
+          <a:p>
+            <a:endParaRPr lang="de-DE" dirty="0"/>
+          </a:p>
+        </p:txBody>
+      </p:sp>
+    </p:spTree>
+    <p:extLst>
+      <p:ext uri="{BB962C8B-B14F-4D97-AF65-F5344CB8AC3E}">
+        <p14:creationId xmlns:p14="http://schemas.microsoft.com/office/powerpoint/2010/main" val="3062145934"/>
+      </p:ext>
+    </p:extLst>
+  </p:cSld>
+  <p:clrMapOvr>
+    <a:masterClrMapping/>
+  </p:clrMapOvr>
+</p:sld>
+</file>
+
+<file path=ppt/slides/slide6.xml><?xml version="1.0" encoding="utf-8"?>
+<p:sld xmlns:a="http://schemas.openxmlformats.org/drawingml/2006/main" xmlns:r="http://schemas.openxmlformats.org/officeDocument/2006/relationships" xmlns:p="http://schemas.openxmlformats.org/presentationml/2006/main">
+  <p:cSld>
+    <p:spTree>
+      <p:nvGrpSpPr>
+        <p:cNvPr id="1" name=""/>
+        <p:cNvGrpSpPr/>
+        <p:nvPr/>
+      </p:nvGrpSpPr>
+      <p:grpSpPr>
+        <a:xfrm>
+          <a:off x="0" y="0"/>
+          <a:ext cx="0" cy="0"/>
+          <a:chOff x="0" y="0"/>
+          <a:chExt cx="0" cy="0"/>
+        </a:xfrm>
+      </p:grpSpPr>
+      <p:sp>
+        <p:nvSpPr>
+          <p:cNvPr id="2" name="Titel 1">
+            <a:extLst>
+              <a:ext uri="{FF2B5EF4-FFF2-40B4-BE49-F238E27FC236}">
+                <a16:creationId xmlns:a16="http://schemas.microsoft.com/office/drawing/2014/main" id="{3A84EDBF-D3B1-4FEF-8B03-18E7504993A5}"/>
+              </a:ext>
+            </a:extLst>
+          </p:cNvPr>
+          <p:cNvSpPr>
+            <a:spLocks noGrp="1"/>
+          </p:cNvSpPr>
+          <p:nvPr>
+            <p:ph type="title"/>
+          </p:nvPr>
+        </p:nvSpPr>
+        <p:spPr/>
+        <p:txBody>
+          <a:bodyPr/>
+          <a:lstStyle/>
+          <a:p>
+            <a:r>
+              <a:rPr lang="de-DE" dirty="0" err="1"/>
+              <a:t>Foreground</a:t>
+            </a:r>
+            <a:r>
+              <a:rPr lang="de-DE" dirty="0"/>
+              <a:t> Service	</a:t>
+            </a:r>
+          </a:p>
+        </p:txBody>
+      </p:sp>
+      <p:sp>
+        <p:nvSpPr>
+          <p:cNvPr id="3" name="Inhaltsplatzhalter 2">
+            <a:extLst>
+              <a:ext uri="{FF2B5EF4-FFF2-40B4-BE49-F238E27FC236}">
+                <a16:creationId xmlns:a16="http://schemas.microsoft.com/office/drawing/2014/main" id="{B422586A-DCA2-4324-94A8-281C18C18C1D}"/>
+              </a:ext>
+            </a:extLst>
+          </p:cNvPr>
+          <p:cNvSpPr>
+            <a:spLocks noGrp="1"/>
+          </p:cNvSpPr>
+          <p:nvPr>
+            <p:ph idx="1"/>
+          </p:nvPr>
+        </p:nvSpPr>
+        <p:spPr/>
+        <p:txBody>
+          <a:bodyPr/>
+          <a:lstStyle/>
+          <a:p>
+            <a:r>
+              <a:rPr lang="de-DE" dirty="0" err="1"/>
+              <a:t>Foreground</a:t>
+            </a:r>
+            <a:r>
+              <a:rPr lang="de-DE" dirty="0"/>
+              <a:t> Services werden benutzt wenn eine Userinteraction benötigt wird.</a:t>
+            </a:r>
+          </a:p>
+          <a:p>
+            <a:r>
+              <a:rPr lang="de-DE" dirty="0"/>
+              <a:t>Der Service kann Benachrichtigungen senden.</a:t>
+            </a:r>
+          </a:p>
+        </p:txBody>
+      </p:sp>
+    </p:spTree>
+    <p:extLst>
+      <p:ext uri="{BB962C8B-B14F-4D97-AF65-F5344CB8AC3E}">
+        <p14:creationId xmlns:p14="http://schemas.microsoft.com/office/powerpoint/2010/main" val="4058991925"/>
+      </p:ext>
+    </p:extLst>
+  </p:cSld>
+  <p:clrMapOvr>
+    <a:masterClrMapping/>
+  </p:clrMapOvr>
+</p:sld>
+</file>
+
+<file path=ppt/slides/slide7.xml><?xml version="1.0" encoding="utf-8"?>
+<p:sld xmlns:a="http://schemas.openxmlformats.org/drawingml/2006/main" xmlns:r="http://schemas.openxmlformats.org/officeDocument/2006/relationships" xmlns:p="http://schemas.openxmlformats.org/presentationml/2006/main">
+  <p:cSld>
+    <p:spTree>
+      <p:nvGrpSpPr>
+        <p:cNvPr id="1" name=""/>
+        <p:cNvGrpSpPr/>
+        <p:nvPr/>
+      </p:nvGrpSpPr>
+      <p:grpSpPr>
+        <a:xfrm>
+          <a:off x="0" y="0"/>
+          <a:ext cx="0" cy="0"/>
+          <a:chOff x="0" y="0"/>
+          <a:chExt cx="0" cy="0"/>
+        </a:xfrm>
+      </p:grpSpPr>
+      <p:sp>
+        <p:nvSpPr>
+          <p:cNvPr id="2" name="Titel 1">
+            <a:extLst>
+              <a:ext uri="{FF2B5EF4-FFF2-40B4-BE49-F238E27FC236}">
+                <a16:creationId xmlns:a16="http://schemas.microsoft.com/office/drawing/2014/main" id="{25FD03DE-C136-420E-BA08-6C85A49159BA}"/>
+              </a:ext>
+            </a:extLst>
+          </p:cNvPr>
+          <p:cNvSpPr>
+            <a:spLocks noGrp="1"/>
+          </p:cNvSpPr>
+          <p:nvPr>
+            <p:ph type="title"/>
+          </p:nvPr>
+        </p:nvSpPr>
+        <p:spPr/>
+        <p:txBody>
+          <a:bodyPr/>
+          <a:lstStyle/>
+          <a:p>
+            <a:r>
+              <a:rPr lang="de-DE" dirty="0"/>
+              <a:t>Bound Service</a:t>
+            </a:r>
+          </a:p>
+        </p:txBody>
+      </p:sp>
+      <p:sp>
+        <p:nvSpPr>
+          <p:cNvPr id="3" name="Inhaltsplatzhalter 2">
+            <a:extLst>
+              <a:ext uri="{FF2B5EF4-FFF2-40B4-BE49-F238E27FC236}">
+                <a16:creationId xmlns:a16="http://schemas.microsoft.com/office/drawing/2014/main" id="{0FC273B0-282E-4CEE-9A06-E66D0987BE4E}"/>
+              </a:ext>
+            </a:extLst>
+          </p:cNvPr>
+          <p:cNvSpPr>
+            <a:spLocks noGrp="1"/>
+          </p:cNvSpPr>
+          <p:nvPr>
+            <p:ph idx="1"/>
+          </p:nvPr>
+        </p:nvSpPr>
+        <p:spPr/>
+        <p:txBody>
+          <a:bodyPr/>
+          <a:lstStyle/>
+          <a:p>
+            <a:r>
+              <a:rPr lang="de-DE" dirty="0"/>
+              <a:t>Bietet ein Client-Server Interface an welches den Komponenten erlaubt mit dem Service zu interagieren</a:t>
+            </a:r>
+          </a:p>
+          <a:p>
+            <a:pPr lvl="1"/>
+            <a:r>
+              <a:rPr lang="de-DE" dirty="0" err="1"/>
+              <a:t>Requests</a:t>
+            </a:r>
+            <a:r>
+              <a:rPr lang="de-DE" dirty="0"/>
+              <a:t> senden, Resultate erhalten</a:t>
+            </a:r>
+          </a:p>
+          <a:p>
+            <a:r>
+              <a:rPr lang="de-DE" dirty="0"/>
+              <a:t>Ein gebundener Service läuft nur so lange, wie eine andere Applikation an ihn gebunden ist</a:t>
+            </a:r>
+          </a:p>
+          <a:p>
+            <a:r>
+              <a:rPr lang="de-DE" dirty="0"/>
+              <a:t>Es können sich mehrere Komponenten mit dem Service verbinden, jedoch wenn alle diese Verbindung lösen, dann wird der Service zerstört.</a:t>
+            </a:r>
+          </a:p>
+        </p:txBody>
+      </p:sp>
+    </p:spTree>
+    <p:extLst>
+      <p:ext uri="{BB962C8B-B14F-4D97-AF65-F5344CB8AC3E}">
+        <p14:creationId xmlns:p14="http://schemas.microsoft.com/office/powerpoint/2010/main" val="1769276694"/>
+      </p:ext>
+    </p:extLst>
+  </p:cSld>
+  <p:clrMapOvr>
+    <a:masterClrMapping/>
+  </p:clrMapOvr>
+</p:sld>
+</file>
+
+<file path=ppt/slides/slide8.xml><?xml version="1.0" encoding="utf-8"?>
+<p:sld xmlns:a="http://schemas.openxmlformats.org/drawingml/2006/main" xmlns:r="http://schemas.openxmlformats.org/officeDocument/2006/relationships" xmlns:p="http://schemas.openxmlformats.org/presentationml/2006/main">
+  <p:cSld>
+    <p:spTree>
+      <p:nvGrpSpPr>
+        <p:cNvPr id="1" name=""/>
+        <p:cNvGrpSpPr/>
+        <p:nvPr/>
+      </p:nvGrpSpPr>
+      <p:grpSpPr>
+        <a:xfrm>
+          <a:off x="0" y="0"/>
+          <a:ext cx="0" cy="0"/>
+          <a:chOff x="0" y="0"/>
+          <a:chExt cx="0" cy="0"/>
+        </a:xfrm>
+      </p:grpSpPr>
+      <p:sp>
+        <p:nvSpPr>
+          <p:cNvPr id="2" name="Titel 1">
+            <a:extLst>
+              <a:ext uri="{FF2B5EF4-FFF2-40B4-BE49-F238E27FC236}">
+                <a16:creationId xmlns:a16="http://schemas.microsoft.com/office/drawing/2014/main" id="{37921ED1-67CA-4F71-8EE8-9B0B4ACBD2E8}"/>
+              </a:ext>
+            </a:extLst>
+          </p:cNvPr>
+          <p:cNvSpPr>
+            <a:spLocks noGrp="1"/>
+          </p:cNvSpPr>
+          <p:nvPr>
+            <p:ph type="title"/>
+          </p:nvPr>
+        </p:nvSpPr>
+        <p:spPr/>
+        <p:txBody>
+          <a:bodyPr/>
+          <a:lstStyle/>
+          <a:p>
+            <a:r>
+              <a:rPr lang="de-DE" dirty="0"/>
+              <a:t>Base Klassen</a:t>
+            </a:r>
+          </a:p>
+        </p:txBody>
+      </p:sp>
+      <p:sp>
+        <p:nvSpPr>
+          <p:cNvPr id="3" name="Textplatzhalter 2">
+            <a:extLst>
+              <a:ext uri="{FF2B5EF4-FFF2-40B4-BE49-F238E27FC236}">
+                <a16:creationId xmlns:a16="http://schemas.microsoft.com/office/drawing/2014/main" id="{2BDA3DE8-388E-46C6-93EB-BDB9AD917633}"/>
+              </a:ext>
+            </a:extLst>
+          </p:cNvPr>
+          <p:cNvSpPr>
+            <a:spLocks noGrp="1"/>
+          </p:cNvSpPr>
+          <p:nvPr>
+            <p:ph type="body" idx="1"/>
+          </p:nvPr>
+        </p:nvSpPr>
+        <p:spPr/>
+        <p:txBody>
+          <a:bodyPr/>
+          <a:lstStyle/>
+          <a:p>
+            <a:r>
+              <a:rPr lang="de-DE" dirty="0" err="1"/>
+              <a:t>Intent</a:t>
+            </a:r>
+            <a:r>
+              <a:rPr lang="de-DE" dirty="0"/>
+              <a:t> Service</a:t>
+            </a:r>
+          </a:p>
+        </p:txBody>
+      </p:sp>
+      <p:sp>
+        <p:nvSpPr>
+          <p:cNvPr id="4" name="Inhaltsplatzhalter 3">
+            <a:extLst>
+              <a:ext uri="{FF2B5EF4-FFF2-40B4-BE49-F238E27FC236}">
+                <a16:creationId xmlns:a16="http://schemas.microsoft.com/office/drawing/2014/main" id="{AA693971-EC08-4B90-8970-106448C62B71}"/>
+              </a:ext>
+            </a:extLst>
+          </p:cNvPr>
+          <p:cNvSpPr>
+            <a:spLocks noGrp="1"/>
+          </p:cNvSpPr>
+          <p:nvPr>
+            <p:ph sz="half" idx="2"/>
+          </p:nvPr>
+        </p:nvSpPr>
+        <p:spPr/>
+        <p:txBody>
+          <a:bodyPr/>
+          <a:lstStyle/>
+          <a:p>
+            <a:r>
+              <a:rPr lang="de-DE" dirty="0"/>
+              <a:t>Benutzt einen </a:t>
+            </a:r>
+            <a:r>
+              <a:rPr lang="de-DE" dirty="0" err="1"/>
+              <a:t>Worker</a:t>
+            </a:r>
+            <a:r>
+              <a:rPr lang="de-DE" dirty="0"/>
+              <a:t> </a:t>
+            </a:r>
+            <a:r>
+              <a:rPr lang="de-DE" dirty="0" err="1"/>
+              <a:t>thread</a:t>
+            </a:r>
+            <a:r>
+              <a:rPr lang="de-DE" dirty="0"/>
+              <a:t> um die </a:t>
+            </a:r>
+            <a:r>
+              <a:rPr lang="de-DE" dirty="0" err="1"/>
+              <a:t>start</a:t>
+            </a:r>
+            <a:r>
+              <a:rPr lang="de-DE" dirty="0"/>
+              <a:t> </a:t>
+            </a:r>
+            <a:r>
+              <a:rPr lang="de-DE" dirty="0" err="1"/>
+              <a:t>requests</a:t>
+            </a:r>
+            <a:r>
+              <a:rPr lang="de-DE" dirty="0"/>
+              <a:t> zu verwalten</a:t>
+            </a:r>
+          </a:p>
+          <a:p>
+            <a:r>
+              <a:rPr lang="de-DE" dirty="0"/>
+              <a:t>Wird benutzt wenn man nicht gleichzeitig mehrere </a:t>
+            </a:r>
+            <a:r>
+              <a:rPr lang="de-DE" dirty="0" err="1"/>
+              <a:t>requests</a:t>
+            </a:r>
+            <a:r>
+              <a:rPr lang="de-DE" dirty="0"/>
+              <a:t> verwalten muss</a:t>
+            </a:r>
+          </a:p>
+        </p:txBody>
+      </p:sp>
+      <p:sp>
+        <p:nvSpPr>
+          <p:cNvPr id="5" name="Textplatzhalter 4">
+            <a:extLst>
+              <a:ext uri="{FF2B5EF4-FFF2-40B4-BE49-F238E27FC236}">
+                <a16:creationId xmlns:a16="http://schemas.microsoft.com/office/drawing/2014/main" id="{BC4B6878-6820-4E4E-8335-91D76BBB29ED}"/>
+              </a:ext>
+            </a:extLst>
+          </p:cNvPr>
+          <p:cNvSpPr>
+            <a:spLocks noGrp="1"/>
+          </p:cNvSpPr>
+          <p:nvPr>
+            <p:ph type="body" sz="quarter" idx="3"/>
+          </p:nvPr>
+        </p:nvSpPr>
+        <p:spPr/>
+        <p:txBody>
+          <a:bodyPr/>
+          <a:lstStyle/>
+          <a:p>
+            <a:r>
+              <a:rPr lang="de-DE" dirty="0"/>
+              <a:t>Service</a:t>
+            </a:r>
+          </a:p>
+        </p:txBody>
+      </p:sp>
+      <p:sp>
+        <p:nvSpPr>
+          <p:cNvPr id="6" name="Inhaltsplatzhalter 5">
+            <a:extLst>
+              <a:ext uri="{FF2B5EF4-FFF2-40B4-BE49-F238E27FC236}">
+                <a16:creationId xmlns:a16="http://schemas.microsoft.com/office/drawing/2014/main" id="{0A4E874E-CC3C-4F12-A70B-F849952422AF}"/>
+              </a:ext>
+            </a:extLst>
+          </p:cNvPr>
+          <p:cNvSpPr>
+            <a:spLocks noGrp="1"/>
+          </p:cNvSpPr>
+          <p:nvPr>
+            <p:ph sz="quarter" idx="4"/>
+          </p:nvPr>
+        </p:nvSpPr>
+        <p:spPr/>
+        <p:txBody>
+          <a:bodyPr/>
+          <a:lstStyle/>
+          <a:p>
+            <a:r>
+              <a:rPr lang="de-DE" dirty="0"/>
+              <a:t>Läuft am Main Thread</a:t>
+            </a:r>
+          </a:p>
+          <a:p>
+            <a:r>
+              <a:rPr lang="de-DE" dirty="0"/>
+              <a:t>Möglicherweise ist es notwendig einen neuen Thread zu erzeugen, da dieser die Performance des Systems beeinflussen kann</a:t>
+            </a:r>
+          </a:p>
+        </p:txBody>
+      </p:sp>
+    </p:spTree>
+    <p:extLst>
+      <p:ext uri="{BB962C8B-B14F-4D97-AF65-F5344CB8AC3E}">
+        <p14:creationId xmlns:p14="http://schemas.microsoft.com/office/powerpoint/2010/main" val="2660674805"/>
+      </p:ext>
+    </p:extLst>
+  </p:cSld>
+  <p:clrMapOvr>
+    <a:masterClrMapping/>
+  </p:clrMapOvr>
+</p:sld>
+</file>
+
 <file path=ppt/theme/theme1.xml><?xml version="1.0" encoding="utf-8"?>
 <a:theme xmlns:a="http://schemas.openxmlformats.org/drawingml/2006/main" name="Crop">
   <a:themeElements>

--- a/Fragments and Services.pptx
+++ b/Fragments and Services.pptx
@@ -7,12 +7,17 @@
   <p:sldIdLst>
     <p:sldId id="256" r:id="rId2"/>
     <p:sldId id="257" r:id="rId3"/>
-    <p:sldId id="258" r:id="rId4"/>
-    <p:sldId id="259" r:id="rId5"/>
-    <p:sldId id="260" r:id="rId6"/>
-    <p:sldId id="261" r:id="rId7"/>
-    <p:sldId id="262" r:id="rId8"/>
-    <p:sldId id="263" r:id="rId9"/>
+    <p:sldId id="265" r:id="rId4"/>
+    <p:sldId id="266" r:id="rId5"/>
+    <p:sldId id="267" r:id="rId6"/>
+    <p:sldId id="268" r:id="rId7"/>
+    <p:sldId id="264" r:id="rId8"/>
+    <p:sldId id="258" r:id="rId9"/>
+    <p:sldId id="259" r:id="rId10"/>
+    <p:sldId id="260" r:id="rId11"/>
+    <p:sldId id="261" r:id="rId12"/>
+    <p:sldId id="262" r:id="rId13"/>
+    <p:sldId id="263" r:id="rId14"/>
   </p:sldIdLst>
   <p:sldSz cx="12192000" cy="6858000"/>
   <p:notesSz cx="6858000" cy="9144000"/>
@@ -292,7 +297,7 @@
           <a:p>
             <a:fld id="{7E9B3DE1-1483-4E7D-858F-7B39EE925286}" type="datetimeFigureOut">
               <a:rPr lang="de-DE" smtClean="0"/>
-              <a:t>19.10.2017</a:t>
+              <a:t>22.10.2017</a:t>
             </a:fld>
             <a:endParaRPr lang="de-DE"/>
           </a:p>
@@ -622,7 +627,7 @@
           <a:p>
             <a:fld id="{7E9B3DE1-1483-4E7D-858F-7B39EE925286}" type="datetimeFigureOut">
               <a:rPr lang="de-DE" smtClean="0"/>
-              <a:t>19.10.2017</a:t>
+              <a:t>22.10.2017</a:t>
             </a:fld>
             <a:endParaRPr lang="de-DE"/>
           </a:p>
@@ -802,7 +807,7 @@
           <a:p>
             <a:fld id="{7E9B3DE1-1483-4E7D-858F-7B39EE925286}" type="datetimeFigureOut">
               <a:rPr lang="de-DE" smtClean="0"/>
-              <a:t>19.10.2017</a:t>
+              <a:t>22.10.2017</a:t>
             </a:fld>
             <a:endParaRPr lang="de-DE"/>
           </a:p>
@@ -972,7 +977,7 @@
           <a:p>
             <a:fld id="{7E9B3DE1-1483-4E7D-858F-7B39EE925286}" type="datetimeFigureOut">
               <a:rPr lang="de-DE" smtClean="0"/>
-              <a:t>19.10.2017</a:t>
+              <a:t>22.10.2017</a:t>
             </a:fld>
             <a:endParaRPr lang="de-DE"/>
           </a:p>
@@ -1249,7 +1254,7 @@
           <a:p>
             <a:fld id="{7E9B3DE1-1483-4E7D-858F-7B39EE925286}" type="datetimeFigureOut">
               <a:rPr lang="de-DE" smtClean="0"/>
-              <a:t>19.10.2017</a:t>
+              <a:t>22.10.2017</a:t>
             </a:fld>
             <a:endParaRPr lang="de-DE"/>
           </a:p>
@@ -1643,7 +1648,7 @@
           <a:p>
             <a:fld id="{7E9B3DE1-1483-4E7D-858F-7B39EE925286}" type="datetimeFigureOut">
               <a:rPr lang="de-DE" smtClean="0"/>
-              <a:t>19.10.2017</a:t>
+              <a:t>22.10.2017</a:t>
             </a:fld>
             <a:endParaRPr lang="de-DE"/>
           </a:p>
@@ -2120,7 +2125,7 @@
           <a:p>
             <a:fld id="{7E9B3DE1-1483-4E7D-858F-7B39EE925286}" type="datetimeFigureOut">
               <a:rPr lang="de-DE" smtClean="0"/>
-              <a:t>19.10.2017</a:t>
+              <a:t>22.10.2017</a:t>
             </a:fld>
             <a:endParaRPr lang="de-DE"/>
           </a:p>
@@ -2238,7 +2243,7 @@
           <a:p>
             <a:fld id="{7E9B3DE1-1483-4E7D-858F-7B39EE925286}" type="datetimeFigureOut">
               <a:rPr lang="de-DE" smtClean="0"/>
-              <a:t>19.10.2017</a:t>
+              <a:t>22.10.2017</a:t>
             </a:fld>
             <a:endParaRPr lang="de-DE"/>
           </a:p>
@@ -2333,7 +2338,7 @@
           <a:p>
             <a:fld id="{7E9B3DE1-1483-4E7D-858F-7B39EE925286}" type="datetimeFigureOut">
               <a:rPr lang="de-DE" smtClean="0"/>
-              <a:t>19.10.2017</a:t>
+              <a:t>22.10.2017</a:t>
             </a:fld>
             <a:endParaRPr lang="de-DE"/>
           </a:p>
@@ -2679,7 +2684,7 @@
           <a:p>
             <a:fld id="{7E9B3DE1-1483-4E7D-858F-7B39EE925286}" type="datetimeFigureOut">
               <a:rPr lang="de-DE" smtClean="0"/>
-              <a:t>19.10.2017</a:t>
+              <a:t>22.10.2017</a:t>
             </a:fld>
             <a:endParaRPr lang="de-DE"/>
           </a:p>
@@ -3067,7 +3072,7 @@
           <a:p>
             <a:fld id="{7E9B3DE1-1483-4E7D-858F-7B39EE925286}" type="datetimeFigureOut">
               <a:rPr lang="de-DE" smtClean="0"/>
-              <a:t>19.10.2017</a:t>
+              <a:t>22.10.2017</a:t>
             </a:fld>
             <a:endParaRPr lang="de-DE"/>
           </a:p>
@@ -3345,7 +3350,7 @@
           <a:p>
             <a:fld id="{7E9B3DE1-1483-4E7D-858F-7B39EE925286}" type="datetimeFigureOut">
               <a:rPr lang="de-DE" smtClean="0"/>
-              <a:t>19.10.2017</a:t>
+              <a:t>22.10.2017</a:t>
             </a:fld>
             <a:endParaRPr lang="de-DE"/>
           </a:p>
@@ -3923,6 +3928,592 @@
 </p:sld>
 </file>
 
+<file path=ppt/slides/slide10.xml><?xml version="1.0" encoding="utf-8"?>
+<p:sld xmlns:a="http://schemas.openxmlformats.org/drawingml/2006/main" xmlns:r="http://schemas.openxmlformats.org/officeDocument/2006/relationships" xmlns:p="http://schemas.openxmlformats.org/presentationml/2006/main">
+  <p:cSld>
+    <p:spTree>
+      <p:nvGrpSpPr>
+        <p:cNvPr id="1" name=""/>
+        <p:cNvGrpSpPr/>
+        <p:nvPr/>
+      </p:nvGrpSpPr>
+      <p:grpSpPr>
+        <a:xfrm>
+          <a:off x="0" y="0"/>
+          <a:ext cx="0" cy="0"/>
+          <a:chOff x="0" y="0"/>
+          <a:chExt cx="0" cy="0"/>
+        </a:xfrm>
+      </p:grpSpPr>
+      <p:sp>
+        <p:nvSpPr>
+          <p:cNvPr id="2" name="Titel 1">
+            <a:extLst>
+              <a:ext uri="{FF2B5EF4-FFF2-40B4-BE49-F238E27FC236}">
+                <a16:creationId xmlns:a16="http://schemas.microsoft.com/office/drawing/2014/main" id="{2F63411F-9048-461C-8BC4-EE34AD2CBB16}"/>
+              </a:ext>
+            </a:extLst>
+          </p:cNvPr>
+          <p:cNvSpPr>
+            <a:spLocks noGrp="1"/>
+          </p:cNvSpPr>
+          <p:nvPr>
+            <p:ph type="title"/>
+          </p:nvPr>
+        </p:nvSpPr>
+        <p:spPr/>
+        <p:txBody>
+          <a:bodyPr/>
+          <a:lstStyle/>
+          <a:p>
+            <a:r>
+              <a:rPr lang="de-DE" dirty="0"/>
+              <a:t>Background Service</a:t>
+            </a:r>
+          </a:p>
+        </p:txBody>
+      </p:sp>
+      <p:sp>
+        <p:nvSpPr>
+          <p:cNvPr id="3" name="Inhaltsplatzhalter 2">
+            <a:extLst>
+              <a:ext uri="{FF2B5EF4-FFF2-40B4-BE49-F238E27FC236}">
+                <a16:creationId xmlns:a16="http://schemas.microsoft.com/office/drawing/2014/main" id="{E61C2476-5CBC-43E0-B80E-B1E3D649516D}"/>
+              </a:ext>
+            </a:extLst>
+          </p:cNvPr>
+          <p:cNvSpPr>
+            <a:spLocks noGrp="1"/>
+          </p:cNvSpPr>
+          <p:nvPr>
+            <p:ph idx="1"/>
+          </p:nvPr>
+        </p:nvSpPr>
+        <p:spPr/>
+        <p:txBody>
+          <a:bodyPr/>
+          <a:lstStyle/>
+          <a:p>
+            <a:r>
+              <a:rPr lang="de-DE" dirty="0"/>
+              <a:t>Kann von einer anderen Applikation aufgerufen werden</a:t>
+            </a:r>
+          </a:p>
+          <a:p>
+            <a:pPr marL="0" indent="0">
+              <a:buNone/>
+            </a:pPr>
+            <a:endParaRPr lang="de-DE" dirty="0"/>
+          </a:p>
+          <a:p>
+            <a:r>
+              <a:rPr lang="de-DE" dirty="0"/>
+              <a:t>Laufen im Hintergrund – keine User Interaction notwendig</a:t>
+            </a:r>
+          </a:p>
+          <a:p>
+            <a:endParaRPr lang="de-DE" dirty="0"/>
+          </a:p>
+          <a:p>
+            <a:r>
+              <a:rPr lang="de-DE" dirty="0"/>
+              <a:t>Seit Android 0 kann nur noch eine App im Vordergrund einen Background Service starten, die App darf nicht im Background laufen.</a:t>
+            </a:r>
+          </a:p>
+          <a:p>
+            <a:endParaRPr lang="de-DE" dirty="0"/>
+          </a:p>
+          <a:p>
+            <a:r>
+              <a:rPr lang="de-DE" dirty="0"/>
+              <a:t>Werden häufig für </a:t>
+            </a:r>
+            <a:r>
+              <a:rPr lang="de-DE" dirty="0" err="1"/>
+              <a:t>Logging</a:t>
+            </a:r>
+            <a:r>
+              <a:rPr lang="de-DE" dirty="0"/>
+              <a:t> oder File IO benutzt</a:t>
+            </a:r>
+          </a:p>
+          <a:p>
+            <a:endParaRPr lang="de-DE" dirty="0"/>
+          </a:p>
+        </p:txBody>
+      </p:sp>
+    </p:spTree>
+    <p:extLst>
+      <p:ext uri="{BB962C8B-B14F-4D97-AF65-F5344CB8AC3E}">
+        <p14:creationId xmlns:p14="http://schemas.microsoft.com/office/powerpoint/2010/main" val="3062145934"/>
+      </p:ext>
+    </p:extLst>
+  </p:cSld>
+  <p:clrMapOvr>
+    <a:masterClrMapping/>
+  </p:clrMapOvr>
+</p:sld>
+</file>
+
+<file path=ppt/slides/slide11.xml><?xml version="1.0" encoding="utf-8"?>
+<p:sld xmlns:a="http://schemas.openxmlformats.org/drawingml/2006/main" xmlns:r="http://schemas.openxmlformats.org/officeDocument/2006/relationships" xmlns:p="http://schemas.openxmlformats.org/presentationml/2006/main">
+  <p:cSld>
+    <p:spTree>
+      <p:nvGrpSpPr>
+        <p:cNvPr id="1" name=""/>
+        <p:cNvGrpSpPr/>
+        <p:nvPr/>
+      </p:nvGrpSpPr>
+      <p:grpSpPr>
+        <a:xfrm>
+          <a:off x="0" y="0"/>
+          <a:ext cx="0" cy="0"/>
+          <a:chOff x="0" y="0"/>
+          <a:chExt cx="0" cy="0"/>
+        </a:xfrm>
+      </p:grpSpPr>
+      <p:sp>
+        <p:nvSpPr>
+          <p:cNvPr id="2" name="Titel 1">
+            <a:extLst>
+              <a:ext uri="{FF2B5EF4-FFF2-40B4-BE49-F238E27FC236}">
+                <a16:creationId xmlns:a16="http://schemas.microsoft.com/office/drawing/2014/main" id="{3A84EDBF-D3B1-4FEF-8B03-18E7504993A5}"/>
+              </a:ext>
+            </a:extLst>
+          </p:cNvPr>
+          <p:cNvSpPr>
+            <a:spLocks noGrp="1"/>
+          </p:cNvSpPr>
+          <p:nvPr>
+            <p:ph type="title"/>
+          </p:nvPr>
+        </p:nvSpPr>
+        <p:spPr/>
+        <p:txBody>
+          <a:bodyPr/>
+          <a:lstStyle/>
+          <a:p>
+            <a:r>
+              <a:rPr lang="de-DE" dirty="0" err="1"/>
+              <a:t>Foreground</a:t>
+            </a:r>
+            <a:r>
+              <a:rPr lang="de-DE" dirty="0"/>
+              <a:t> Service	</a:t>
+            </a:r>
+          </a:p>
+        </p:txBody>
+      </p:sp>
+      <p:sp>
+        <p:nvSpPr>
+          <p:cNvPr id="3" name="Inhaltsplatzhalter 2">
+            <a:extLst>
+              <a:ext uri="{FF2B5EF4-FFF2-40B4-BE49-F238E27FC236}">
+                <a16:creationId xmlns:a16="http://schemas.microsoft.com/office/drawing/2014/main" id="{B422586A-DCA2-4324-94A8-281C18C18C1D}"/>
+              </a:ext>
+            </a:extLst>
+          </p:cNvPr>
+          <p:cNvSpPr>
+            <a:spLocks noGrp="1"/>
+          </p:cNvSpPr>
+          <p:nvPr>
+            <p:ph idx="1"/>
+          </p:nvPr>
+        </p:nvSpPr>
+        <p:spPr/>
+        <p:txBody>
+          <a:bodyPr/>
+          <a:lstStyle/>
+          <a:p>
+            <a:r>
+              <a:rPr lang="de-DE" dirty="0" err="1"/>
+              <a:t>Foreground</a:t>
+            </a:r>
+            <a:r>
+              <a:rPr lang="de-DE" dirty="0"/>
+              <a:t> Services werden benutzt wenn eine Userinteraction benötigt wird.</a:t>
+            </a:r>
+          </a:p>
+          <a:p>
+            <a:endParaRPr lang="de-DE" dirty="0"/>
+          </a:p>
+          <a:p>
+            <a:r>
+              <a:rPr lang="de-DE" dirty="0"/>
+              <a:t>Der Service erzeugt eine Benachrichtigung, die erst verschwindet wenn der Service beendet wurde(</a:t>
+            </a:r>
+            <a:r>
+              <a:rPr lang="de-DE" dirty="0" err="1"/>
+              <a:t>z.b</a:t>
+            </a:r>
+            <a:r>
+              <a:rPr lang="de-DE" dirty="0"/>
+              <a:t> Musikplayer)</a:t>
+            </a:r>
+          </a:p>
+          <a:p>
+            <a:endParaRPr lang="de-DE" dirty="0"/>
+          </a:p>
+          <a:p>
+            <a:endParaRPr lang="de-DE" dirty="0"/>
+          </a:p>
+        </p:txBody>
+      </p:sp>
+    </p:spTree>
+    <p:extLst>
+      <p:ext uri="{BB962C8B-B14F-4D97-AF65-F5344CB8AC3E}">
+        <p14:creationId xmlns:p14="http://schemas.microsoft.com/office/powerpoint/2010/main" val="4058991925"/>
+      </p:ext>
+    </p:extLst>
+  </p:cSld>
+  <p:clrMapOvr>
+    <a:masterClrMapping/>
+  </p:clrMapOvr>
+</p:sld>
+</file>
+
+<file path=ppt/slides/slide12.xml><?xml version="1.0" encoding="utf-8"?>
+<p:sld xmlns:a="http://schemas.openxmlformats.org/drawingml/2006/main" xmlns:r="http://schemas.openxmlformats.org/officeDocument/2006/relationships" xmlns:p="http://schemas.openxmlformats.org/presentationml/2006/main">
+  <p:cSld>
+    <p:spTree>
+      <p:nvGrpSpPr>
+        <p:cNvPr id="1" name=""/>
+        <p:cNvGrpSpPr/>
+        <p:nvPr/>
+      </p:nvGrpSpPr>
+      <p:grpSpPr>
+        <a:xfrm>
+          <a:off x="0" y="0"/>
+          <a:ext cx="0" cy="0"/>
+          <a:chOff x="0" y="0"/>
+          <a:chExt cx="0" cy="0"/>
+        </a:xfrm>
+      </p:grpSpPr>
+      <p:sp>
+        <p:nvSpPr>
+          <p:cNvPr id="2" name="Titel 1">
+            <a:extLst>
+              <a:ext uri="{FF2B5EF4-FFF2-40B4-BE49-F238E27FC236}">
+                <a16:creationId xmlns:a16="http://schemas.microsoft.com/office/drawing/2014/main" id="{25FD03DE-C136-420E-BA08-6C85A49159BA}"/>
+              </a:ext>
+            </a:extLst>
+          </p:cNvPr>
+          <p:cNvSpPr>
+            <a:spLocks noGrp="1"/>
+          </p:cNvSpPr>
+          <p:nvPr>
+            <p:ph type="title"/>
+          </p:nvPr>
+        </p:nvSpPr>
+        <p:spPr/>
+        <p:txBody>
+          <a:bodyPr/>
+          <a:lstStyle/>
+          <a:p>
+            <a:r>
+              <a:rPr lang="de-DE" dirty="0"/>
+              <a:t>Bound Service</a:t>
+            </a:r>
+          </a:p>
+        </p:txBody>
+      </p:sp>
+      <p:sp>
+        <p:nvSpPr>
+          <p:cNvPr id="3" name="Inhaltsplatzhalter 2">
+            <a:extLst>
+              <a:ext uri="{FF2B5EF4-FFF2-40B4-BE49-F238E27FC236}">
+                <a16:creationId xmlns:a16="http://schemas.microsoft.com/office/drawing/2014/main" id="{0FC273B0-282E-4CEE-9A06-E66D0987BE4E}"/>
+              </a:ext>
+            </a:extLst>
+          </p:cNvPr>
+          <p:cNvSpPr>
+            <a:spLocks noGrp="1"/>
+          </p:cNvSpPr>
+          <p:nvPr>
+            <p:ph idx="1"/>
+          </p:nvPr>
+        </p:nvSpPr>
+        <p:spPr/>
+        <p:txBody>
+          <a:bodyPr/>
+          <a:lstStyle/>
+          <a:p>
+            <a:r>
+              <a:rPr lang="de-DE" dirty="0"/>
+              <a:t>Bietet ein Client-Server Interface an welches den Komponenten erlaubt mit dem Service zu interagieren</a:t>
+            </a:r>
+          </a:p>
+          <a:p>
+            <a:pPr lvl="1"/>
+            <a:r>
+              <a:rPr lang="de-DE" dirty="0" err="1"/>
+              <a:t>Requests</a:t>
+            </a:r>
+            <a:r>
+              <a:rPr lang="de-DE" dirty="0"/>
+              <a:t> senden, Resultate erhalten</a:t>
+            </a:r>
+          </a:p>
+          <a:p>
+            <a:pPr lvl="1"/>
+            <a:endParaRPr lang="de-DE" dirty="0"/>
+          </a:p>
+          <a:p>
+            <a:r>
+              <a:rPr lang="de-DE" dirty="0"/>
+              <a:t>Ein gebundener Service läuft nur so lange, wie eine andere Applikation an ihn gebunden ist</a:t>
+            </a:r>
+          </a:p>
+          <a:p>
+            <a:endParaRPr lang="de-DE" dirty="0"/>
+          </a:p>
+          <a:p>
+            <a:r>
+              <a:rPr lang="de-DE" dirty="0"/>
+              <a:t>Es können sich mehrere Komponenten mit dem Service verbinden, jedoch wenn alle diese Verbindung lösen, dann wird der Service zerstört.</a:t>
+            </a:r>
+          </a:p>
+        </p:txBody>
+      </p:sp>
+    </p:spTree>
+    <p:extLst>
+      <p:ext uri="{BB962C8B-B14F-4D97-AF65-F5344CB8AC3E}">
+        <p14:creationId xmlns:p14="http://schemas.microsoft.com/office/powerpoint/2010/main" val="1769276694"/>
+      </p:ext>
+    </p:extLst>
+  </p:cSld>
+  <p:clrMapOvr>
+    <a:masterClrMapping/>
+  </p:clrMapOvr>
+</p:sld>
+</file>
+
+<file path=ppt/slides/slide13.xml><?xml version="1.0" encoding="utf-8"?>
+<p:sld xmlns:a="http://schemas.openxmlformats.org/drawingml/2006/main" xmlns:r="http://schemas.openxmlformats.org/officeDocument/2006/relationships" xmlns:p="http://schemas.openxmlformats.org/presentationml/2006/main">
+  <p:cSld>
+    <p:spTree>
+      <p:nvGrpSpPr>
+        <p:cNvPr id="1" name=""/>
+        <p:cNvGrpSpPr/>
+        <p:nvPr/>
+      </p:nvGrpSpPr>
+      <p:grpSpPr>
+        <a:xfrm>
+          <a:off x="0" y="0"/>
+          <a:ext cx="0" cy="0"/>
+          <a:chOff x="0" y="0"/>
+          <a:chExt cx="0" cy="0"/>
+        </a:xfrm>
+      </p:grpSpPr>
+      <p:sp>
+        <p:nvSpPr>
+          <p:cNvPr id="2" name="Titel 1">
+            <a:extLst>
+              <a:ext uri="{FF2B5EF4-FFF2-40B4-BE49-F238E27FC236}">
+                <a16:creationId xmlns:a16="http://schemas.microsoft.com/office/drawing/2014/main" id="{37921ED1-67CA-4F71-8EE8-9B0B4ACBD2E8}"/>
+              </a:ext>
+            </a:extLst>
+          </p:cNvPr>
+          <p:cNvSpPr>
+            <a:spLocks noGrp="1"/>
+          </p:cNvSpPr>
+          <p:nvPr>
+            <p:ph type="title"/>
+          </p:nvPr>
+        </p:nvSpPr>
+        <p:spPr/>
+        <p:txBody>
+          <a:bodyPr/>
+          <a:lstStyle/>
+          <a:p>
+            <a:r>
+              <a:rPr lang="de-DE" dirty="0"/>
+              <a:t>Base Klassen</a:t>
+            </a:r>
+          </a:p>
+        </p:txBody>
+      </p:sp>
+      <p:sp>
+        <p:nvSpPr>
+          <p:cNvPr id="3" name="Textplatzhalter 2">
+            <a:extLst>
+              <a:ext uri="{FF2B5EF4-FFF2-40B4-BE49-F238E27FC236}">
+                <a16:creationId xmlns:a16="http://schemas.microsoft.com/office/drawing/2014/main" id="{2BDA3DE8-388E-46C6-93EB-BDB9AD917633}"/>
+              </a:ext>
+            </a:extLst>
+          </p:cNvPr>
+          <p:cNvSpPr>
+            <a:spLocks noGrp="1"/>
+          </p:cNvSpPr>
+          <p:nvPr>
+            <p:ph type="body" idx="1"/>
+          </p:nvPr>
+        </p:nvSpPr>
+        <p:spPr/>
+        <p:txBody>
+          <a:bodyPr/>
+          <a:lstStyle/>
+          <a:p>
+            <a:r>
+              <a:rPr lang="de-DE" dirty="0" err="1"/>
+              <a:t>Intent</a:t>
+            </a:r>
+            <a:r>
+              <a:rPr lang="de-DE" dirty="0"/>
+              <a:t> Service</a:t>
+            </a:r>
+          </a:p>
+        </p:txBody>
+      </p:sp>
+      <p:sp>
+        <p:nvSpPr>
+          <p:cNvPr id="4" name="Inhaltsplatzhalter 3">
+            <a:extLst>
+              <a:ext uri="{FF2B5EF4-FFF2-40B4-BE49-F238E27FC236}">
+                <a16:creationId xmlns:a16="http://schemas.microsoft.com/office/drawing/2014/main" id="{AA693971-EC08-4B90-8970-106448C62B71}"/>
+              </a:ext>
+            </a:extLst>
+          </p:cNvPr>
+          <p:cNvSpPr>
+            <a:spLocks noGrp="1"/>
+          </p:cNvSpPr>
+          <p:nvPr>
+            <p:ph sz="half" idx="2"/>
+          </p:nvPr>
+        </p:nvSpPr>
+        <p:spPr/>
+        <p:txBody>
+          <a:bodyPr/>
+          <a:lstStyle/>
+          <a:p>
+            <a:r>
+              <a:rPr lang="de-DE" dirty="0"/>
+              <a:t>Benutzt einen </a:t>
+            </a:r>
+            <a:r>
+              <a:rPr lang="de-DE" dirty="0" err="1"/>
+              <a:t>Worker</a:t>
+            </a:r>
+            <a:r>
+              <a:rPr lang="de-DE" dirty="0"/>
+              <a:t> </a:t>
+            </a:r>
+            <a:r>
+              <a:rPr lang="de-DE" dirty="0" err="1"/>
+              <a:t>thread</a:t>
+            </a:r>
+            <a:r>
+              <a:rPr lang="de-DE" dirty="0"/>
+              <a:t> um die </a:t>
+            </a:r>
+            <a:r>
+              <a:rPr lang="de-DE" dirty="0" err="1"/>
+              <a:t>start</a:t>
+            </a:r>
+            <a:r>
+              <a:rPr lang="de-DE" dirty="0"/>
+              <a:t> </a:t>
+            </a:r>
+            <a:r>
+              <a:rPr lang="de-DE" dirty="0" err="1"/>
+              <a:t>requests</a:t>
+            </a:r>
+            <a:r>
+              <a:rPr lang="de-DE" dirty="0"/>
+              <a:t> zu verwalten</a:t>
+            </a:r>
+          </a:p>
+          <a:p>
+            <a:r>
+              <a:rPr lang="de-DE" dirty="0"/>
+              <a:t>Wird benutzt wenn man nicht gleichzeitig mehrere </a:t>
+            </a:r>
+            <a:r>
+              <a:rPr lang="de-DE" dirty="0" err="1"/>
+              <a:t>requests</a:t>
+            </a:r>
+            <a:r>
+              <a:rPr lang="de-DE" dirty="0"/>
+              <a:t> verwalten muss</a:t>
+            </a:r>
+          </a:p>
+        </p:txBody>
+      </p:sp>
+      <p:sp>
+        <p:nvSpPr>
+          <p:cNvPr id="5" name="Textplatzhalter 4">
+            <a:extLst>
+              <a:ext uri="{FF2B5EF4-FFF2-40B4-BE49-F238E27FC236}">
+                <a16:creationId xmlns:a16="http://schemas.microsoft.com/office/drawing/2014/main" id="{BC4B6878-6820-4E4E-8335-91D76BBB29ED}"/>
+              </a:ext>
+            </a:extLst>
+          </p:cNvPr>
+          <p:cNvSpPr>
+            <a:spLocks noGrp="1"/>
+          </p:cNvSpPr>
+          <p:nvPr>
+            <p:ph type="body" sz="quarter" idx="3"/>
+          </p:nvPr>
+        </p:nvSpPr>
+        <p:spPr/>
+        <p:txBody>
+          <a:bodyPr/>
+          <a:lstStyle/>
+          <a:p>
+            <a:r>
+              <a:rPr lang="de-DE" dirty="0"/>
+              <a:t>Service</a:t>
+            </a:r>
+          </a:p>
+        </p:txBody>
+      </p:sp>
+      <p:sp>
+        <p:nvSpPr>
+          <p:cNvPr id="6" name="Inhaltsplatzhalter 5">
+            <a:extLst>
+              <a:ext uri="{FF2B5EF4-FFF2-40B4-BE49-F238E27FC236}">
+                <a16:creationId xmlns:a16="http://schemas.microsoft.com/office/drawing/2014/main" id="{0A4E874E-CC3C-4F12-A70B-F849952422AF}"/>
+              </a:ext>
+            </a:extLst>
+          </p:cNvPr>
+          <p:cNvSpPr>
+            <a:spLocks noGrp="1"/>
+          </p:cNvSpPr>
+          <p:nvPr>
+            <p:ph sz="quarter" idx="4"/>
+          </p:nvPr>
+        </p:nvSpPr>
+        <p:spPr/>
+        <p:txBody>
+          <a:bodyPr/>
+          <a:lstStyle/>
+          <a:p>
+            <a:r>
+              <a:rPr lang="de-DE" dirty="0"/>
+              <a:t>Läuft am Main Thread</a:t>
+            </a:r>
+          </a:p>
+          <a:p>
+            <a:r>
+              <a:rPr lang="de-DE" dirty="0"/>
+              <a:t>Möglicherweise ist es notwendig einen neuen Thread zu erzeugen, da dieser die Performance des Systems beeinflussen kann</a:t>
+            </a:r>
+          </a:p>
+        </p:txBody>
+      </p:sp>
+    </p:spTree>
+    <p:extLst>
+      <p:ext uri="{BB962C8B-B14F-4D97-AF65-F5344CB8AC3E}">
+        <p14:creationId xmlns:p14="http://schemas.microsoft.com/office/powerpoint/2010/main" val="2660674805"/>
+      </p:ext>
+    </p:extLst>
+  </p:cSld>
+  <p:clrMapOvr>
+    <a:masterClrMapping/>
+  </p:clrMapOvr>
+</p:sld>
+</file>
+
 <file path=ppt/slides/slide2.xml><?xml version="1.0" encoding="utf-8"?>
 <p:sld xmlns:a="http://schemas.openxmlformats.org/drawingml/2006/main" xmlns:r="http://schemas.openxmlformats.org/officeDocument/2006/relationships" xmlns:p="http://schemas.openxmlformats.org/presentationml/2006/main">
   <p:cSld>
@@ -4083,7 +4674,7 @@
           <p:cNvPr id="2" name="Titel 1">
             <a:extLst>
               <a:ext uri="{FF2B5EF4-FFF2-40B4-BE49-F238E27FC236}">
-                <a16:creationId xmlns:a16="http://schemas.microsoft.com/office/drawing/2014/main" id="{3B2B1DC2-B3C7-4089-B80E-0042B10F5EDC}"/>
+                <a16:creationId xmlns:a16="http://schemas.microsoft.com/office/drawing/2014/main" id="{B19DBE64-713A-47A3-AE69-C39AF4DB158D}"/>
               </a:ext>
             </a:extLst>
           </p:cNvPr>
@@ -4091,7 +4682,7 @@
             <a:spLocks noGrp="1"/>
           </p:cNvSpPr>
           <p:nvPr>
-            <p:ph type="ctrTitle"/>
+            <p:ph type="title"/>
           </p:nvPr>
         </p:nvSpPr>
         <p:spPr/>
@@ -4101,17 +4692,17 @@
           <a:p>
             <a:r>
               <a:rPr lang="de-DE" dirty="0"/>
-              <a:t>Services</a:t>
-            </a:r>
-          </a:p>
-        </p:txBody>
-      </p:sp>
-      <p:sp>
-        <p:nvSpPr>
-          <p:cNvPr id="3" name="Untertitel 2">
+              <a:t>Was sind Fragments? (2)</a:t>
+            </a:r>
+          </a:p>
+        </p:txBody>
+      </p:sp>
+      <p:sp>
+        <p:nvSpPr>
+          <p:cNvPr id="3" name="Inhaltsplatzhalter 2">
             <a:extLst>
               <a:ext uri="{FF2B5EF4-FFF2-40B4-BE49-F238E27FC236}">
-                <a16:creationId xmlns:a16="http://schemas.microsoft.com/office/drawing/2014/main" id="{BAD8883F-62FC-4FEE-8ADA-46EEB8832947}"/>
+                <a16:creationId xmlns:a16="http://schemas.microsoft.com/office/drawing/2014/main" id="{78BD2042-74A8-42A1-B50C-58A8E57061B9}"/>
               </a:ext>
             </a:extLst>
           </p:cNvPr>
@@ -4119,7 +4710,7 @@
             <a:spLocks noGrp="1"/>
           </p:cNvSpPr>
           <p:nvPr>
-            <p:ph type="subTitle" idx="1"/>
+            <p:ph idx="1"/>
           </p:nvPr>
         </p:nvSpPr>
         <p:spPr/>
@@ -4127,14 +4718,59 @@
           <a:bodyPr/>
           <a:lstStyle/>
           <a:p>
-            <a:endParaRPr lang="de-DE"/>
+            <a:r>
+              <a:rPr lang="de-DE" dirty="0" err="1"/>
+              <a:t>Fragment‘s</a:t>
+            </a:r>
+            <a:r>
+              <a:rPr lang="de-DE" dirty="0"/>
+              <a:t> müssen kein UI haben(</a:t>
+            </a:r>
+            <a:r>
+              <a:rPr lang="de-DE" dirty="0" err="1"/>
+              <a:t>Headless</a:t>
+            </a:r>
+            <a:r>
+              <a:rPr lang="de-DE" dirty="0"/>
+              <a:t> Fragment)</a:t>
+            </a:r>
+          </a:p>
+          <a:p>
+            <a:endParaRPr lang="de-DE" dirty="0"/>
+          </a:p>
+          <a:p>
+            <a:r>
+              <a:rPr lang="de-DE" dirty="0"/>
+              <a:t>Wurden in Android 3 vorgestellt</a:t>
+            </a:r>
+          </a:p>
+          <a:p>
+            <a:endParaRPr lang="de-DE" dirty="0"/>
+          </a:p>
+          <a:p>
+            <a:r>
+              <a:rPr lang="de-DE" dirty="0"/>
+              <a:t>Können leicht aktualisiert und ersetzt werden</a:t>
+            </a:r>
+          </a:p>
+          <a:p>
+            <a:endParaRPr lang="de-DE" dirty="0"/>
+          </a:p>
+          <a:p>
+            <a:r>
+              <a:rPr lang="de-DE" dirty="0"/>
+              <a:t>Mit Fragments kann man sich einfach an verschiedene Displaygrößen zur Laufzeit anpassen(Tablets)</a:t>
+            </a:r>
+          </a:p>
+          <a:p>
+            <a:endParaRPr lang="de-DE" dirty="0"/>
           </a:p>
         </p:txBody>
       </p:sp>
     </p:spTree>
     <p:extLst>
       <p:ext uri="{BB962C8B-B14F-4D97-AF65-F5344CB8AC3E}">
-        <p14:creationId xmlns:p14="http://schemas.microsoft.com/office/powerpoint/2010/main" val="2569208748"/>
+        <p14:creationId xmlns:p14="http://schemas.microsoft.com/office/powerpoint/2010/main" val="2976067236"/>
       </p:ext>
     </p:extLst>
   </p:cSld>
@@ -4166,7 +4802,7 @@
           <p:cNvPr id="2" name="Titel 1">
             <a:extLst>
               <a:ext uri="{FF2B5EF4-FFF2-40B4-BE49-F238E27FC236}">
-                <a16:creationId xmlns:a16="http://schemas.microsoft.com/office/drawing/2014/main" id="{E5686513-1198-4D6C-ABB0-B158C6AA41E5}"/>
+                <a16:creationId xmlns:a16="http://schemas.microsoft.com/office/drawing/2014/main" id="{6D8BD1B4-9A81-4032-8EAF-A09BF7DC5817}"/>
               </a:ext>
             </a:extLst>
           </p:cNvPr>
@@ -4184,7 +4820,7 @@
           <a:p>
             <a:r>
               <a:rPr lang="de-DE" dirty="0"/>
-              <a:t>Was sind Services?</a:t>
+              <a:t>Vorteile</a:t>
             </a:r>
           </a:p>
         </p:txBody>
@@ -4194,7 +4830,7 @@
           <p:cNvPr id="3" name="Inhaltsplatzhalter 2">
             <a:extLst>
               <a:ext uri="{FF2B5EF4-FFF2-40B4-BE49-F238E27FC236}">
-                <a16:creationId xmlns:a16="http://schemas.microsoft.com/office/drawing/2014/main" id="{BA9816EC-F1D9-4A81-A442-6BD6A04B7832}"/>
+                <a16:creationId xmlns:a16="http://schemas.microsoft.com/office/drawing/2014/main" id="{67DAD961-C925-437A-914E-41E564CF0C60}"/>
               </a:ext>
             </a:extLst>
           </p:cNvPr>
@@ -4212,57 +4848,56 @@
           <a:p>
             <a:r>
               <a:rPr lang="de-DE" dirty="0"/>
-              <a:t>2 Arten:</a:t>
+              <a:t>Modularität</a:t>
             </a:r>
           </a:p>
           <a:p>
             <a:pPr lvl="1"/>
             <a:r>
               <a:rPr lang="de-DE" dirty="0"/>
-              <a:t>Background Service</a:t>
+              <a:t>Man teilt komplexen Code einer </a:t>
+            </a:r>
+            <a:r>
+              <a:rPr lang="de-DE" dirty="0" err="1"/>
+              <a:t>Activity</a:t>
+            </a:r>
+            <a:r>
+              <a:rPr lang="de-DE" dirty="0"/>
+              <a:t> auf Fragments auf um eine bessere Organisation und Wartbarkeit zu erhalten</a:t>
+            </a:r>
+          </a:p>
+          <a:p>
+            <a:r>
+              <a:rPr lang="de-DE" dirty="0"/>
+              <a:t>Wiederverwendbarkeit</a:t>
             </a:r>
           </a:p>
           <a:p>
             <a:pPr lvl="1"/>
             <a:r>
+              <a:rPr lang="de-DE" dirty="0"/>
+              <a:t>Das Fragment und seine Komponenten kann von mehreren </a:t>
+            </a:r>
+            <a:r>
               <a:rPr lang="de-DE" dirty="0" err="1"/>
-              <a:t>Foreground</a:t>
-            </a:r>
-            <a:r>
-              <a:rPr lang="de-DE" dirty="0"/>
-              <a:t> Service</a:t>
-            </a:r>
-          </a:p>
-          <a:p>
-            <a:r>
-              <a:rPr lang="de-DE" dirty="0"/>
-              <a:t>Führen Arbeit aus(ähnlich wie Threads)</a:t>
-            </a:r>
-          </a:p>
-          <a:p>
-            <a:r>
-              <a:rPr lang="de-DE" dirty="0"/>
-              <a:t>Laufen in keinem eigenen Thread! Services laufen im Main-Thread der Applikation</a:t>
-            </a:r>
-          </a:p>
-          <a:p>
-            <a:r>
-              <a:rPr lang="de-DE" dirty="0"/>
-              <a:t>In manchen Situation ist es ratsamer einen eigen Thread für den Service zu erzeugen, wenn:</a:t>
+              <a:t>Activities</a:t>
+            </a:r>
+            <a:r>
+              <a:rPr lang="de-DE" dirty="0"/>
+              <a:t> verwendet werden</a:t>
+            </a:r>
+          </a:p>
+          <a:p>
+            <a:r>
+              <a:rPr lang="de-DE" dirty="0"/>
+              <a:t>Anpassbarkeit</a:t>
             </a:r>
           </a:p>
           <a:p>
             <a:pPr lvl="1"/>
             <a:r>
               <a:rPr lang="de-DE" dirty="0"/>
-              <a:t>Der Service anspruchsvolle Arbeit verrichten soll</a:t>
-            </a:r>
-          </a:p>
-          <a:p>
-            <a:pPr lvl="1"/>
-            <a:r>
-              <a:rPr lang="de-DE" dirty="0"/>
-              <a:t>Die UI durch den Service beeinträchtigt wird</a:t>
+              <a:t>Die Bereiche des Screens können mit Fragments an verschiedene Gegebenheiten wie die Größe oder der Orientation angepasst werden</a:t>
             </a:r>
           </a:p>
           <a:p>
@@ -4273,7 +4908,7 @@
     </p:spTree>
     <p:extLst>
       <p:ext uri="{BB962C8B-B14F-4D97-AF65-F5344CB8AC3E}">
-        <p14:creationId xmlns:p14="http://schemas.microsoft.com/office/powerpoint/2010/main" val="2961463380"/>
+        <p14:creationId xmlns:p14="http://schemas.microsoft.com/office/powerpoint/2010/main" val="2301245177"/>
       </p:ext>
     </p:extLst>
   </p:cSld>
@@ -4305,7 +4940,7 @@
           <p:cNvPr id="2" name="Titel 1">
             <a:extLst>
               <a:ext uri="{FF2B5EF4-FFF2-40B4-BE49-F238E27FC236}">
-                <a16:creationId xmlns:a16="http://schemas.microsoft.com/office/drawing/2014/main" id="{2F63411F-9048-461C-8BC4-EE34AD2CBB16}"/>
+                <a16:creationId xmlns:a16="http://schemas.microsoft.com/office/drawing/2014/main" id="{445280A3-13D4-4322-A159-482357F949B1}"/>
               </a:ext>
             </a:extLst>
           </p:cNvPr>
@@ -4323,7 +4958,7 @@
           <a:p>
             <a:r>
               <a:rPr lang="de-DE" dirty="0"/>
-              <a:t>Background Service</a:t>
+              <a:t>Lifecycle (1)</a:t>
             </a:r>
           </a:p>
         </p:txBody>
@@ -4333,7 +4968,7 @@
           <p:cNvPr id="3" name="Inhaltsplatzhalter 2">
             <a:extLst>
               <a:ext uri="{FF2B5EF4-FFF2-40B4-BE49-F238E27FC236}">
-                <a16:creationId xmlns:a16="http://schemas.microsoft.com/office/drawing/2014/main" id="{E61C2476-5CBC-43E0-B80E-B1E3D649516D}"/>
+                <a16:creationId xmlns:a16="http://schemas.microsoft.com/office/drawing/2014/main" id="{DDA051C3-4D90-439F-A1DE-FE2DF7166A85}"/>
               </a:ext>
             </a:extLst>
           </p:cNvPr>
@@ -4350,45 +4985,102 @@
           <a:lstStyle/>
           <a:p>
             <a:r>
-              <a:rPr lang="de-DE" dirty="0"/>
-              <a:t>Kann von einer anderen Applikation aufgerufen werden</a:t>
-            </a:r>
-          </a:p>
-          <a:p>
-            <a:r>
-              <a:rPr lang="de-DE" dirty="0"/>
-              <a:t>Laufen im Hintergrund – keine User Interaction notwendig</a:t>
-            </a:r>
-          </a:p>
-          <a:p>
-            <a:r>
-              <a:rPr lang="de-DE" dirty="0"/>
-              <a:t>Seit Android 0 kann nur noch eine App im Vordergrund einen Background Service starten, die App darf nicht im Background laufen.</a:t>
-            </a:r>
-          </a:p>
-          <a:p>
-            <a:r>
-              <a:rPr lang="de-DE" dirty="0"/>
-              <a:t>Werden häufig für </a:t>
-            </a:r>
-            <a:r>
               <a:rPr lang="de-DE" dirty="0" err="1"/>
-              <a:t>Logging</a:t>
-            </a:r>
-            <a:r>
-              <a:rPr lang="de-DE" dirty="0"/>
-              <a:t> oder File IO benutzt</a:t>
-            </a:r>
-          </a:p>
-          <a:p>
-            <a:endParaRPr lang="de-DE" dirty="0"/>
+              <a:t>onAttach</a:t>
+            </a:r>
+            <a:r>
+              <a:rPr lang="de-DE" dirty="0"/>
+              <a:t>()</a:t>
+            </a:r>
+          </a:p>
+          <a:p>
+            <a:pPr lvl="1"/>
+            <a:r>
+              <a:rPr lang="de-DE" dirty="0"/>
+              <a:t>Fragment wird aufgerufen, Initialisierungen werden ausgeführt</a:t>
+            </a:r>
+          </a:p>
+          <a:p>
+            <a:r>
+              <a:rPr lang="de-DE" dirty="0" err="1"/>
+              <a:t>onCreate</a:t>
+            </a:r>
+            <a:r>
+              <a:rPr lang="de-DE" dirty="0"/>
+              <a:t>()</a:t>
+            </a:r>
+          </a:p>
+          <a:p>
+            <a:pPr lvl="1"/>
+            <a:r>
+              <a:rPr lang="de-DE" dirty="0"/>
+              <a:t>Aufgerufen wenn das Fragment erzeugt wird, Komponenten werden initialisiert</a:t>
+            </a:r>
+          </a:p>
+          <a:p>
+            <a:r>
+              <a:rPr lang="de-DE" dirty="0" err="1"/>
+              <a:t>onCreateView</a:t>
+            </a:r>
+            <a:r>
+              <a:rPr lang="de-DE" dirty="0"/>
+              <a:t>()</a:t>
+            </a:r>
+          </a:p>
+          <a:p>
+            <a:pPr lvl="1"/>
+            <a:r>
+              <a:rPr lang="de-DE" dirty="0"/>
+              <a:t>Aufgerufen wenn es Zeit ist das UI zu erzeugen. Gibt eine View zurück</a:t>
+            </a:r>
+          </a:p>
+          <a:p>
+            <a:r>
+              <a:rPr lang="de-DE" dirty="0" err="1"/>
+              <a:t>onActivityCreate</a:t>
+            </a:r>
+            <a:r>
+              <a:rPr lang="de-DE" dirty="0"/>
+              <a:t>()</a:t>
+            </a:r>
+          </a:p>
+          <a:p>
+            <a:pPr lvl="1"/>
+            <a:r>
+              <a:rPr lang="de-DE" dirty="0"/>
+              <a:t>Nach </a:t>
+            </a:r>
+            <a:r>
+              <a:rPr lang="de-DE" dirty="0" err="1"/>
+              <a:t>onCreateView</a:t>
+            </a:r>
+            <a:r>
+              <a:rPr lang="de-DE" dirty="0"/>
+              <a:t>() aufgerufen. Ab jetzt kann man die </a:t>
+            </a:r>
+            <a:r>
+              <a:rPr lang="de-DE" dirty="0" err="1"/>
+              <a:t>view</a:t>
+            </a:r>
+            <a:r>
+              <a:rPr lang="de-DE" dirty="0"/>
+              <a:t> mit </a:t>
+            </a:r>
+            <a:r>
+              <a:rPr lang="de-DE" dirty="0" err="1"/>
+              <a:t>findViewById</a:t>
+            </a:r>
+            <a:r>
+              <a:rPr lang="de-DE" dirty="0"/>
+              <a:t>() finden</a:t>
+            </a:r>
           </a:p>
         </p:txBody>
       </p:sp>
     </p:spTree>
     <p:extLst>
       <p:ext uri="{BB962C8B-B14F-4D97-AF65-F5344CB8AC3E}">
-        <p14:creationId xmlns:p14="http://schemas.microsoft.com/office/powerpoint/2010/main" val="3062145934"/>
+        <p14:creationId xmlns:p14="http://schemas.microsoft.com/office/powerpoint/2010/main" val="1445698266"/>
       </p:ext>
     </p:extLst>
   </p:cSld>
@@ -4420,7 +5112,7 @@
           <p:cNvPr id="2" name="Titel 1">
             <a:extLst>
               <a:ext uri="{FF2B5EF4-FFF2-40B4-BE49-F238E27FC236}">
-                <a16:creationId xmlns:a16="http://schemas.microsoft.com/office/drawing/2014/main" id="{3A84EDBF-D3B1-4FEF-8B03-18E7504993A5}"/>
+                <a16:creationId xmlns:a16="http://schemas.microsoft.com/office/drawing/2014/main" id="{E6089031-58C1-4BC6-897A-882F317549FA}"/>
               </a:ext>
             </a:extLst>
           </p:cNvPr>
@@ -4437,12 +5129,8 @@
           <a:lstStyle/>
           <a:p>
             <a:r>
-              <a:rPr lang="de-DE" dirty="0" err="1"/>
-              <a:t>Foreground</a:t>
-            </a:r>
-            <a:r>
-              <a:rPr lang="de-DE" dirty="0"/>
-              <a:t> Service	</a:t>
+              <a:rPr lang="de-DE" dirty="0"/>
+              <a:t>Lifecycle (2)</a:t>
             </a:r>
           </a:p>
         </p:txBody>
@@ -4452,7 +5140,7 @@
           <p:cNvPr id="3" name="Inhaltsplatzhalter 2">
             <a:extLst>
               <a:ext uri="{FF2B5EF4-FFF2-40B4-BE49-F238E27FC236}">
-                <a16:creationId xmlns:a16="http://schemas.microsoft.com/office/drawing/2014/main" id="{B422586A-DCA2-4324-94A8-281C18C18C1D}"/>
+                <a16:creationId xmlns:a16="http://schemas.microsoft.com/office/drawing/2014/main" id="{208EE697-49A0-4A75-9AE9-FE701FD7EEDA}"/>
               </a:ext>
             </a:extLst>
           </p:cNvPr>
@@ -4465,22 +5153,88 @@
         </p:nvSpPr>
         <p:spPr/>
         <p:txBody>
-          <a:bodyPr/>
+          <a:bodyPr>
+            <a:normAutofit lnSpcReduction="10000"/>
+          </a:bodyPr>
           <a:lstStyle/>
           <a:p>
             <a:r>
               <a:rPr lang="de-DE" dirty="0" err="1"/>
-              <a:t>Foreground</a:t>
-            </a:r>
-            <a:r>
-              <a:rPr lang="de-DE" dirty="0"/>
-              <a:t> Services werden benutzt wenn eine Userinteraction benötigt wird.</a:t>
-            </a:r>
-          </a:p>
-          <a:p>
-            <a:r>
-              <a:rPr lang="de-DE" dirty="0"/>
-              <a:t>Der Service kann Benachrichtigungen senden.</a:t>
+              <a:t>onResume</a:t>
+            </a:r>
+            <a:r>
+              <a:rPr lang="de-DE" dirty="0"/>
+              <a:t>()</a:t>
+            </a:r>
+          </a:p>
+          <a:p>
+            <a:pPr lvl="1"/>
+            <a:r>
+              <a:rPr lang="de-DE" dirty="0"/>
+              <a:t>Aufgerufen wenn fortgesetzt, man kann jetzt wieder interagieren mit dem Fragment</a:t>
+            </a:r>
+          </a:p>
+          <a:p>
+            <a:r>
+              <a:rPr lang="de-DE" dirty="0" err="1"/>
+              <a:t>onPause</a:t>
+            </a:r>
+            <a:r>
+              <a:rPr lang="de-DE" dirty="0"/>
+              <a:t>()</a:t>
+            </a:r>
+          </a:p>
+          <a:p>
+            <a:pPr lvl="1"/>
+            <a:r>
+              <a:rPr lang="de-DE" dirty="0"/>
+              <a:t>Aufgerufen wenn der User das Fragment verlässt. Hier sollte man Daten(wenn </a:t>
+            </a:r>
+            <a:r>
+              <a:rPr lang="de-DE" dirty="0" err="1"/>
+              <a:t>vorhane</a:t>
+            </a:r>
+            <a:r>
+              <a:rPr lang="de-DE" dirty="0"/>
+              <a:t>) persistieren</a:t>
+            </a:r>
+          </a:p>
+          <a:p>
+            <a:r>
+              <a:rPr lang="de-DE" dirty="0" err="1"/>
+              <a:t>onStop</a:t>
+            </a:r>
+            <a:r>
+              <a:rPr lang="de-DE" dirty="0"/>
+              <a:t>()</a:t>
+            </a:r>
+          </a:p>
+          <a:p>
+            <a:pPr lvl="1"/>
+            <a:r>
+              <a:rPr lang="de-DE" dirty="0" err="1"/>
+              <a:t>Stopt</a:t>
+            </a:r>
+            <a:r>
+              <a:rPr lang="de-DE" dirty="0"/>
+              <a:t> das Fragment</a:t>
+            </a:r>
+          </a:p>
+          <a:p>
+            <a:r>
+              <a:rPr lang="de-DE" dirty="0" err="1"/>
+              <a:t>onDestroyView</a:t>
+            </a:r>
+            <a:r>
+              <a:rPr lang="de-DE" dirty="0"/>
+              <a:t>()</a:t>
+            </a:r>
+          </a:p>
+          <a:p>
+            <a:pPr lvl="1"/>
+            <a:r>
+              <a:rPr lang="de-DE" dirty="0"/>
+              <a:t>Fragment wird zerstört</a:t>
             </a:r>
           </a:p>
         </p:txBody>
@@ -4488,7 +5242,7 @@
     </p:spTree>
     <p:extLst>
       <p:ext uri="{BB962C8B-B14F-4D97-AF65-F5344CB8AC3E}">
-        <p14:creationId xmlns:p14="http://schemas.microsoft.com/office/powerpoint/2010/main" val="4058991925"/>
+        <p14:creationId xmlns:p14="http://schemas.microsoft.com/office/powerpoint/2010/main" val="2983681368"/>
       </p:ext>
     </p:extLst>
   </p:cSld>
@@ -4520,7 +5274,7 @@
           <p:cNvPr id="2" name="Titel 1">
             <a:extLst>
               <a:ext uri="{FF2B5EF4-FFF2-40B4-BE49-F238E27FC236}">
-                <a16:creationId xmlns:a16="http://schemas.microsoft.com/office/drawing/2014/main" id="{25FD03DE-C136-420E-BA08-6C85A49159BA}"/>
+                <a16:creationId xmlns:a16="http://schemas.microsoft.com/office/drawing/2014/main" id="{C91D1223-DCF8-4AFF-A571-4A4CE784C450}"/>
               </a:ext>
             </a:extLst>
           </p:cNvPr>
@@ -4538,7 +5292,7 @@
           <a:p>
             <a:r>
               <a:rPr lang="de-DE" dirty="0"/>
-              <a:t>Bound Service</a:t>
+              <a:t>Bundle</a:t>
             </a:r>
           </a:p>
         </p:txBody>
@@ -4548,7 +5302,7 @@
           <p:cNvPr id="3" name="Inhaltsplatzhalter 2">
             <a:extLst>
               <a:ext uri="{FF2B5EF4-FFF2-40B4-BE49-F238E27FC236}">
-                <a16:creationId xmlns:a16="http://schemas.microsoft.com/office/drawing/2014/main" id="{0FC273B0-282E-4CEE-9A06-E66D0987BE4E}"/>
+                <a16:creationId xmlns:a16="http://schemas.microsoft.com/office/drawing/2014/main" id="{77C91537-2AC9-40BA-BCC7-4A4D4A39B9A3}"/>
               </a:ext>
             </a:extLst>
           </p:cNvPr>
@@ -4566,30 +5320,47 @@
           <a:p>
             <a:r>
               <a:rPr lang="de-DE" dirty="0"/>
-              <a:t>Bietet ein Client-Server Interface an welches den Komponenten erlaubt mit dem Service zu interagieren</a:t>
-            </a:r>
-          </a:p>
-          <a:p>
-            <a:pPr lvl="1"/>
+              <a:t>Werden verwendet um Information an das Fragment zu übergeben</a:t>
+            </a:r>
+          </a:p>
+          <a:p>
+            <a:pPr marL="0" indent="0">
+              <a:buNone/>
+            </a:pPr>
+            <a:endParaRPr lang="de-DE" dirty="0"/>
+          </a:p>
+          <a:p>
+            <a:r>
+              <a:rPr lang="de-DE" dirty="0"/>
+              <a:t>Das Fragment erhält diese in der </a:t>
+            </a:r>
             <a:r>
               <a:rPr lang="de-DE" dirty="0" err="1"/>
-              <a:t>Requests</a:t>
-            </a:r>
-            <a:r>
-              <a:rPr lang="de-DE" dirty="0"/>
-              <a:t> senden, Resultate erhalten</a:t>
-            </a:r>
-          </a:p>
-          <a:p>
-            <a:r>
-              <a:rPr lang="de-DE" dirty="0"/>
-              <a:t>Ein gebundener Service läuft nur so lange, wie eine andere Applikation an ihn gebunden ist</a:t>
-            </a:r>
-          </a:p>
-          <a:p>
-            <a:r>
-              <a:rPr lang="de-DE" dirty="0"/>
-              <a:t>Es können sich mehrere Komponenten mit dem Service verbinden, jedoch wenn alle diese Verbindung lösen, dann wird der Service zerstört.</a:t>
+              <a:t>onActivityCreated</a:t>
+            </a:r>
+            <a:r>
+              <a:rPr lang="de-DE" dirty="0"/>
+              <a:t> Methode</a:t>
+            </a:r>
+          </a:p>
+          <a:p>
+            <a:pPr marL="0" indent="0">
+              <a:buNone/>
+            </a:pPr>
+            <a:endParaRPr lang="de-DE" dirty="0"/>
+          </a:p>
+          <a:p>
+            <a:r>
+              <a:rPr lang="de-DE" dirty="0"/>
+              <a:t>Bundles werden mithilfe der .</a:t>
+            </a:r>
+            <a:r>
+              <a:rPr lang="de-DE" dirty="0" err="1"/>
+              <a:t>setArguments</a:t>
+            </a:r>
+            <a:r>
+              <a:rPr lang="de-DE" dirty="0"/>
+              <a:t>() Methode gesetzt.</a:t>
             </a:r>
           </a:p>
         </p:txBody>
@@ -4597,7 +5368,7 @@
     </p:spTree>
     <p:extLst>
       <p:ext uri="{BB962C8B-B14F-4D97-AF65-F5344CB8AC3E}">
-        <p14:creationId xmlns:p14="http://schemas.microsoft.com/office/powerpoint/2010/main" val="1769276694"/>
+        <p14:creationId xmlns:p14="http://schemas.microsoft.com/office/powerpoint/2010/main" val="810198840"/>
       </p:ext>
     </p:extLst>
   </p:cSld>
@@ -4629,7 +5400,7 @@
           <p:cNvPr id="2" name="Titel 1">
             <a:extLst>
               <a:ext uri="{FF2B5EF4-FFF2-40B4-BE49-F238E27FC236}">
-                <a16:creationId xmlns:a16="http://schemas.microsoft.com/office/drawing/2014/main" id="{37921ED1-67CA-4F71-8EE8-9B0B4ACBD2E8}"/>
+                <a16:creationId xmlns:a16="http://schemas.microsoft.com/office/drawing/2014/main" id="{3B2B1DC2-B3C7-4089-B80E-0042B10F5EDC}"/>
               </a:ext>
             </a:extLst>
           </p:cNvPr>
@@ -4637,7 +5408,7 @@
             <a:spLocks noGrp="1"/>
           </p:cNvSpPr>
           <p:nvPr>
-            <p:ph type="title"/>
+            <p:ph type="ctrTitle"/>
           </p:nvPr>
         </p:nvSpPr>
         <p:spPr/>
@@ -4647,17 +5418,17 @@
           <a:p>
             <a:r>
               <a:rPr lang="de-DE" dirty="0"/>
-              <a:t>Base Klassen</a:t>
-            </a:r>
-          </a:p>
-        </p:txBody>
-      </p:sp>
-      <p:sp>
-        <p:nvSpPr>
-          <p:cNvPr id="3" name="Textplatzhalter 2">
+              <a:t>Services</a:t>
+            </a:r>
+          </a:p>
+        </p:txBody>
+      </p:sp>
+      <p:sp>
+        <p:nvSpPr>
+          <p:cNvPr id="3" name="Untertitel 2">
             <a:extLst>
               <a:ext uri="{FF2B5EF4-FFF2-40B4-BE49-F238E27FC236}">
-                <a16:creationId xmlns:a16="http://schemas.microsoft.com/office/drawing/2014/main" id="{2BDA3DE8-388E-46C6-93EB-BDB9AD917633}"/>
+                <a16:creationId xmlns:a16="http://schemas.microsoft.com/office/drawing/2014/main" id="{BAD8883F-62FC-4FEE-8ADA-46EEB8832947}"/>
               </a:ext>
             </a:extLst>
           </p:cNvPr>
@@ -4665,7 +5436,7 @@
             <a:spLocks noGrp="1"/>
           </p:cNvSpPr>
           <p:nvPr>
-            <p:ph type="body" idx="1"/>
+            <p:ph type="subTitle" idx="1"/>
           </p:nvPr>
         </p:nvSpPr>
         <p:spPr/>
@@ -4673,23 +5444,46 @@
           <a:bodyPr/>
           <a:lstStyle/>
           <a:p>
-            <a:r>
-              <a:rPr lang="de-DE" dirty="0" err="1"/>
-              <a:t>Intent</a:t>
-            </a:r>
-            <a:r>
-              <a:rPr lang="de-DE" dirty="0"/>
-              <a:t> Service</a:t>
-            </a:r>
-          </a:p>
-        </p:txBody>
-      </p:sp>
-      <p:sp>
-        <p:nvSpPr>
-          <p:cNvPr id="4" name="Inhaltsplatzhalter 3">
+            <a:endParaRPr lang="de-DE"/>
+          </a:p>
+        </p:txBody>
+      </p:sp>
+    </p:spTree>
+    <p:extLst>
+      <p:ext uri="{BB962C8B-B14F-4D97-AF65-F5344CB8AC3E}">
+        <p14:creationId xmlns:p14="http://schemas.microsoft.com/office/powerpoint/2010/main" val="2569208748"/>
+      </p:ext>
+    </p:extLst>
+  </p:cSld>
+  <p:clrMapOvr>
+    <a:masterClrMapping/>
+  </p:clrMapOvr>
+</p:sld>
+</file>
+
+<file path=ppt/slides/slide9.xml><?xml version="1.0" encoding="utf-8"?>
+<p:sld xmlns:a="http://schemas.openxmlformats.org/drawingml/2006/main" xmlns:r="http://schemas.openxmlformats.org/officeDocument/2006/relationships" xmlns:p="http://schemas.openxmlformats.org/presentationml/2006/main">
+  <p:cSld>
+    <p:spTree>
+      <p:nvGrpSpPr>
+        <p:cNvPr id="1" name=""/>
+        <p:cNvGrpSpPr/>
+        <p:nvPr/>
+      </p:nvGrpSpPr>
+      <p:grpSpPr>
+        <a:xfrm>
+          <a:off x="0" y="0"/>
+          <a:ext cx="0" cy="0"/>
+          <a:chOff x="0" y="0"/>
+          <a:chExt cx="0" cy="0"/>
+        </a:xfrm>
+      </p:grpSpPr>
+      <p:sp>
+        <p:nvSpPr>
+          <p:cNvPr id="2" name="Titel 1">
             <a:extLst>
               <a:ext uri="{FF2B5EF4-FFF2-40B4-BE49-F238E27FC236}">
-                <a16:creationId xmlns:a16="http://schemas.microsoft.com/office/drawing/2014/main" id="{AA693971-EC08-4B90-8970-106448C62B71}"/>
+                <a16:creationId xmlns:a16="http://schemas.microsoft.com/office/drawing/2014/main" id="{E5686513-1198-4D6C-ABB0-B158C6AA41E5}"/>
               </a:ext>
             </a:extLst>
           </p:cNvPr>
@@ -4697,7 +5491,7 @@
             <a:spLocks noGrp="1"/>
           </p:cNvSpPr>
           <p:nvPr>
-            <p:ph sz="half" idx="2"/>
+            <p:ph type="title"/>
           </p:nvPr>
         </p:nvSpPr>
         <p:spPr/>
@@ -4707,63 +5501,17 @@
           <a:p>
             <a:r>
               <a:rPr lang="de-DE" dirty="0"/>
-              <a:t>Benutzt einen </a:t>
-            </a:r>
-            <a:r>
-              <a:rPr lang="de-DE" dirty="0" err="1"/>
-              <a:t>Worker</a:t>
-            </a:r>
-            <a:r>
-              <a:rPr lang="de-DE" dirty="0"/>
-              <a:t> </a:t>
-            </a:r>
-            <a:r>
-              <a:rPr lang="de-DE" dirty="0" err="1"/>
-              <a:t>thread</a:t>
-            </a:r>
-            <a:r>
-              <a:rPr lang="de-DE" dirty="0"/>
-              <a:t> um die </a:t>
-            </a:r>
-            <a:r>
-              <a:rPr lang="de-DE" dirty="0" err="1"/>
-              <a:t>start</a:t>
-            </a:r>
-            <a:r>
-              <a:rPr lang="de-DE" dirty="0"/>
-              <a:t> </a:t>
-            </a:r>
-            <a:r>
-              <a:rPr lang="de-DE" dirty="0" err="1"/>
-              <a:t>requests</a:t>
-            </a:r>
-            <a:r>
-              <a:rPr lang="de-DE" dirty="0"/>
-              <a:t> zu verwalten</a:t>
-            </a:r>
-          </a:p>
-          <a:p>
-            <a:r>
-              <a:rPr lang="de-DE" dirty="0"/>
-              <a:t>Wird benutzt wenn man nicht gleichzeitig mehrere </a:t>
-            </a:r>
-            <a:r>
-              <a:rPr lang="de-DE" dirty="0" err="1"/>
-              <a:t>requests</a:t>
-            </a:r>
-            <a:r>
-              <a:rPr lang="de-DE" dirty="0"/>
-              <a:t> verwalten muss</a:t>
-            </a:r>
-          </a:p>
-        </p:txBody>
-      </p:sp>
-      <p:sp>
-        <p:nvSpPr>
-          <p:cNvPr id="5" name="Textplatzhalter 4">
+              <a:t>Was sind Services?</a:t>
+            </a:r>
+          </a:p>
+        </p:txBody>
+      </p:sp>
+      <p:sp>
+        <p:nvSpPr>
+          <p:cNvPr id="3" name="Inhaltsplatzhalter 2">
             <a:extLst>
               <a:ext uri="{FF2B5EF4-FFF2-40B4-BE49-F238E27FC236}">
-                <a16:creationId xmlns:a16="http://schemas.microsoft.com/office/drawing/2014/main" id="{BC4B6878-6820-4E4E-8335-91D76BBB29ED}"/>
+                <a16:creationId xmlns:a16="http://schemas.microsoft.com/office/drawing/2014/main" id="{BA9816EC-F1D9-4A81-A442-6BD6A04B7832}"/>
               </a:ext>
             </a:extLst>
           </p:cNvPr>
@@ -4771,7 +5519,7 @@
             <a:spLocks noGrp="1"/>
           </p:cNvSpPr>
           <p:nvPr>
-            <p:ph type="body" sz="quarter" idx="3"/>
+            <p:ph idx="1"/>
           </p:nvPr>
         </p:nvSpPr>
         <p:spPr/>
@@ -4781,49 +5529,68 @@
           <a:p>
             <a:r>
               <a:rPr lang="de-DE" dirty="0"/>
-              <a:t>Service</a:t>
-            </a:r>
-          </a:p>
-        </p:txBody>
-      </p:sp>
-      <p:sp>
-        <p:nvSpPr>
-          <p:cNvPr id="6" name="Inhaltsplatzhalter 5">
-            <a:extLst>
-              <a:ext uri="{FF2B5EF4-FFF2-40B4-BE49-F238E27FC236}">
-                <a16:creationId xmlns:a16="http://schemas.microsoft.com/office/drawing/2014/main" id="{0A4E874E-CC3C-4F12-A70B-F849952422AF}"/>
-              </a:ext>
-            </a:extLst>
-          </p:cNvPr>
-          <p:cNvSpPr>
-            <a:spLocks noGrp="1"/>
-          </p:cNvSpPr>
-          <p:nvPr>
-            <p:ph sz="quarter" idx="4"/>
-          </p:nvPr>
-        </p:nvSpPr>
-        <p:spPr/>
-        <p:txBody>
-          <a:bodyPr/>
-          <a:lstStyle/>
-          <a:p>
-            <a:r>
-              <a:rPr lang="de-DE" dirty="0"/>
-              <a:t>Läuft am Main Thread</a:t>
-            </a:r>
-          </a:p>
-          <a:p>
-            <a:r>
-              <a:rPr lang="de-DE" dirty="0"/>
-              <a:t>Möglicherweise ist es notwendig einen neuen Thread zu erzeugen, da dieser die Performance des Systems beeinflussen kann</a:t>
-            </a:r>
+              <a:t>2 Arten:</a:t>
+            </a:r>
+          </a:p>
+          <a:p>
+            <a:pPr lvl="1"/>
+            <a:r>
+              <a:rPr lang="de-DE" dirty="0"/>
+              <a:t>Background Service</a:t>
+            </a:r>
+          </a:p>
+          <a:p>
+            <a:pPr lvl="1"/>
+            <a:r>
+              <a:rPr lang="de-DE" dirty="0" err="1"/>
+              <a:t>Foreground</a:t>
+            </a:r>
+            <a:r>
+              <a:rPr lang="de-DE" dirty="0"/>
+              <a:t> Service</a:t>
+            </a:r>
+          </a:p>
+          <a:p>
+            <a:r>
+              <a:rPr lang="de-DE" dirty="0"/>
+              <a:t>Führen Arbeit aus(ähnlich wie Threads)</a:t>
+            </a:r>
+          </a:p>
+          <a:p>
+            <a:r>
+              <a:rPr lang="de-DE" dirty="0"/>
+              <a:t>Laufen in keinem eigenen Thread! Services laufen im Main-Thread der Applikation</a:t>
+            </a:r>
+          </a:p>
+          <a:p>
+            <a:r>
+              <a:rPr lang="de-DE" dirty="0"/>
+              <a:t>In manchen Situation ist es ratsamer einen eigen Thread für den Service zu erzeugen, wenn:</a:t>
+            </a:r>
+          </a:p>
+          <a:p>
+            <a:pPr lvl="1"/>
+            <a:r>
+              <a:rPr lang="de-DE" dirty="0"/>
+              <a:t>Der Service anspruchsvolle Arbeit verrichten soll</a:t>
+            </a:r>
+          </a:p>
+          <a:p>
+            <a:pPr lvl="1"/>
+            <a:r>
+              <a:rPr lang="de-DE" dirty="0"/>
+              <a:t>Die UI durch den Service beeinträchtigt wird</a:t>
+            </a:r>
+          </a:p>
+          <a:p>
+            <a:endParaRPr lang="de-DE" dirty="0"/>
           </a:p>
         </p:txBody>
       </p:sp>
     </p:spTree>
     <p:extLst>
       <p:ext uri="{BB962C8B-B14F-4D97-AF65-F5344CB8AC3E}">
-        <p14:creationId xmlns:p14="http://schemas.microsoft.com/office/powerpoint/2010/main" val="2660674805"/>
+        <p14:creationId xmlns:p14="http://schemas.microsoft.com/office/powerpoint/2010/main" val="2961463380"/>
       </p:ext>
     </p:extLst>
   </p:cSld>
